--- a/Progress_report/Ravi/Non_hg_contimination_XIANGLI_07072021.pptx
+++ b/Progress_report/Ravi/Non_hg_contimination_XIANGLI_07072021.pptx
@@ -29,13 +29,6 @@
       <p:bold r:id="rId15"/>
       <p:italic r:id="rId16"/>
       <p:boldItalic r:id="rId17"/>
-    </p:embeddedFont>
-    <p:embeddedFont>
-      <p:font typeface="Helvetica Neue" panose="02000503000000020004" pitchFamily="2" charset="0"/>
-      <p:regular r:id="rId18"/>
-      <p:bold r:id="rId18"/>
-      <p:italic r:id="rId18"/>
-      <p:boldItalic r:id="rId18"/>
     </p:embeddedFont>
     <p:embeddedFont>
       <p:font typeface="Helvetica Neue Light" panose="02000403000000020004" pitchFamily="2" charset="0"/>
@@ -302,7 +295,7 @@
       <p15:sldGuideLst xmlns:p15="http://schemas.microsoft.com/office/powerpoint/2012/main"/>
     </p:ext>
     <p:ext uri="http://customooxmlschemas.google.com/">
-      <go:slidesCustomData xmlns:go="http://customooxmlschemas.google.com/" xmlns:ahyp="http://schemas.microsoft.com/office/drawing/2018/hyperlinkcolor" xmlns:p15="http://schemas.microsoft.com/office/powerpoint/2012/main" xmlns:p14="http://schemas.microsoft.com/office/powerpoint/2010/main" xmlns:com="http://schemas.openxmlformats.org/drawingml/2006/compatibility" xmlns:pvml="urn:schemas-microsoft-com:office:powerpoint" xmlns:v="urn:schemas-microsoft-com:vml" xmlns:o="urn:schemas-microsoft-com:office:office" xmlns:dgm="http://schemas.openxmlformats.org/drawingml/2006/diagram" xmlns:c="http://schemas.openxmlformats.org/drawingml/2006/chart" xmlns:mv="urn:schemas-microsoft-com:mac:vml" xmlns:mc="http://schemas.openxmlformats.org/markup-compatibility/2006" xmlns="" r:id="rId25" roundtripDataSignature="AMtx7mhHP33Xr1aQoP4DNDZ+2ciKZkjJsA=="/>
+      <go:slidesCustomData xmlns="" xmlns:mc="http://schemas.openxmlformats.org/markup-compatibility/2006" xmlns:mv="urn:schemas-microsoft-com:mac:vml" xmlns:c="http://schemas.openxmlformats.org/drawingml/2006/chart" xmlns:dgm="http://schemas.openxmlformats.org/drawingml/2006/diagram" xmlns:o="urn:schemas-microsoft-com:office:office" xmlns:v="urn:schemas-microsoft-com:vml" xmlns:pvml="urn:schemas-microsoft-com:office:powerpoint" xmlns:com="http://schemas.openxmlformats.org/drawingml/2006/compatibility" xmlns:p14="http://schemas.microsoft.com/office/powerpoint/2010/main" xmlns:p15="http://schemas.microsoft.com/office/powerpoint/2012/main" xmlns:ahyp="http://schemas.microsoft.com/office/drawing/2018/hyperlinkcolor" xmlns:go="http://customooxmlschemas.google.com/" r:id="rId25" roundtripDataSignature="AMtx7mhHP33Xr1aQoP4DNDZ+2ciKZkjJsA=="/>
     </p:ext>
   </p:extLst>
 </p:presentation>
@@ -324,7 +317,7 @@
         <p15:threadingInfo xmlns:p15="http://schemas.microsoft.com/office/powerpoint/2012/main" timeZoneBias="0"/>
       </p:ext>
       <p:ext uri="http://customooxmlschemas.google.com/">
-        <go:slidesCustomData xmlns:go="http://customooxmlschemas.google.com/" xmlns:ahyp="http://schemas.microsoft.com/office/drawing/2018/hyperlinkcolor" xmlns:p15="http://schemas.microsoft.com/office/powerpoint/2012/main" xmlns:p14="http://schemas.microsoft.com/office/powerpoint/2010/main" xmlns:com="http://schemas.openxmlformats.org/drawingml/2006/compatibility" xmlns:pvml="urn:schemas-microsoft-com:office:powerpoint" xmlns:v="urn:schemas-microsoft-com:vml" xmlns:o="urn:schemas-microsoft-com:office:office" xmlns:dgm="http://schemas.openxmlformats.org/drawingml/2006/diagram" xmlns:c="http://schemas.openxmlformats.org/drawingml/2006/chart" xmlns:mv="urn:schemas-microsoft-com:mac:vml" xmlns:mc="http://schemas.openxmlformats.org/markup-compatibility/2006" xmlns="" commentPostId="AAAAM8lbkZo"/>
+        <go:slidesCustomData xmlns="" xmlns:mc="http://schemas.openxmlformats.org/markup-compatibility/2006" xmlns:mv="urn:schemas-microsoft-com:mac:vml" xmlns:c="http://schemas.openxmlformats.org/drawingml/2006/chart" xmlns:dgm="http://schemas.openxmlformats.org/drawingml/2006/diagram" xmlns:o="urn:schemas-microsoft-com:office:office" xmlns:v="urn:schemas-microsoft-com:vml" xmlns:pvml="urn:schemas-microsoft-com:office:powerpoint" xmlns:com="http://schemas.openxmlformats.org/drawingml/2006/compatibility" xmlns:p14="http://schemas.microsoft.com/office/powerpoint/2010/main" xmlns:p15="http://schemas.microsoft.com/office/powerpoint/2012/main" xmlns:ahyp="http://schemas.microsoft.com/office/drawing/2018/hyperlinkcolor" xmlns:go="http://customooxmlschemas.google.com/" commentPostId="AAAAM8lbkZo"/>
       </p:ext>
     </p:extLst>
   </p:cm>
@@ -17448,68 +17441,6 @@
       </p:grpSpPr>
       <p:sp>
         <p:nvSpPr>
-          <p:cNvPr id="99" name="Google Shape;99;ge260998f17_2_0"/>
-          <p:cNvSpPr txBox="1">
-            <a:spLocks noGrp="1"/>
-          </p:cNvSpPr>
-          <p:nvPr>
-            <p:ph type="title"/>
-          </p:nvPr>
-        </p:nvSpPr>
-        <p:spPr>
-          <a:xfrm>
-            <a:off x="275756" y="5389446"/>
-            <a:ext cx="9054600" cy="479700"/>
-          </a:xfrm>
-          <a:prstGeom prst="rect">
-            <a:avLst/>
-          </a:prstGeom>
-          <a:noFill/>
-          <a:ln>
-            <a:noFill/>
-          </a:ln>
-        </p:spPr>
-        <p:txBody>
-          <a:bodyPr spcFirstLastPara="1" wrap="square" lIns="91425" tIns="45700" rIns="91425" bIns="45700" anchor="b" anchorCtr="0">
-            <a:normAutofit fontScale="90000"/>
-          </a:bodyPr>
-          <a:lstStyle/>
-          <a:p>
-            <a:pPr marL="0" marR="0" lvl="0" indent="0" algn="l" rtl="0">
-              <a:lnSpc>
-                <a:spcPct val="100000"/>
-              </a:lnSpc>
-              <a:spcBef>
-                <a:spcPts val="0"/>
-              </a:spcBef>
-              <a:spcAft>
-                <a:spcPts val="0"/>
-              </a:spcAft>
-              <a:buClr>
-                <a:srgbClr val="005999"/>
-              </a:buClr>
-              <a:buSzPct val="100000"/>
-              <a:buFont typeface="Helvetica Neue Light"/>
-              <a:buNone/>
-            </a:pPr>
-            <a:r>
-              <a:rPr lang="en-US"/>
-              <a:t>Week3</a:t>
-            </a:r>
-            <a:endParaRPr sz="3000" b="0" i="0" u="none" strike="noStrike" cap="none">
-              <a:solidFill>
-                <a:srgbClr val="005999"/>
-              </a:solidFill>
-              <a:latin typeface="Helvetica Neue Light"/>
-              <a:ea typeface="Helvetica Neue Light"/>
-              <a:cs typeface="Helvetica Neue Light"/>
-              <a:sym typeface="Helvetica Neue Light"/>
-            </a:endParaRPr>
-          </a:p>
-        </p:txBody>
-      </p:sp>
-      <p:sp>
-        <p:nvSpPr>
           <p:cNvPr id="100" name="Google Shape;100;ge260998f17_2_0"/>
           <p:cNvSpPr txBox="1">
             <a:spLocks noGrp="1"/>
@@ -17555,10 +17486,14 @@
               <a:buNone/>
             </a:pPr>
             <a:r>
-              <a:rPr lang="en-US" dirty="0"/>
+              <a:rPr lang="en-US" dirty="0">
+                <a:latin typeface="+mn-lt"/>
+              </a:rPr>
               <a:t>Xiang Li, 07/02/2021</a:t>
             </a:r>
-            <a:endParaRPr dirty="0"/>
+            <a:endParaRPr dirty="0">
+              <a:latin typeface="+mn-lt"/>
+            </a:endParaRPr>
           </a:p>
         </p:txBody>
       </p:sp>
@@ -17610,7 +17545,7 @@
               <a:solidFill>
                 <a:schemeClr val="lt1"/>
               </a:solidFill>
-              <a:latin typeface="Helvetica Neue Light"/>
+              <a:latin typeface="+mn-lt"/>
               <a:ea typeface="Helvetica Neue Light"/>
               <a:cs typeface="Helvetica Neue Light"/>
               <a:sym typeface="Helvetica Neue Light"/>
@@ -17665,7 +17600,9 @@
           <a:lstStyle/>
           <a:p>
             <a:r>
-              <a:rPr lang="en-US" dirty="0"/>
+              <a:rPr lang="en-US" dirty="0">
+                <a:latin typeface="+mn-lt"/>
+              </a:rPr>
               <a:t>Standard human genome in GH</a:t>
             </a:r>
           </a:p>
@@ -17690,39 +17627,55 @@
         <p:spPr/>
         <p:txBody>
           <a:bodyPr>
-            <a:normAutofit lnSpcReduction="10000"/>
+            <a:normAutofit fontScale="92500"/>
           </a:bodyPr>
           <a:lstStyle/>
           <a:p>
             <a:r>
-              <a:rPr lang="en-US" dirty="0"/>
+              <a:rPr lang="en-US" dirty="0">
+                <a:latin typeface="+mn-lt"/>
+              </a:rPr>
               <a:t>head /</a:t>
             </a:r>
             <a:r>
-              <a:rPr lang="en-US" dirty="0" err="1"/>
+              <a:rPr lang="en-US" dirty="0" err="1">
+                <a:latin typeface="+mn-lt"/>
+              </a:rPr>
               <a:t>ghds</a:t>
             </a:r>
             <a:r>
-              <a:rPr lang="en-US" dirty="0"/>
+              <a:rPr lang="en-US" dirty="0">
+                <a:latin typeface="+mn-lt"/>
+              </a:rPr>
               <a:t>/shared/ref/</a:t>
             </a:r>
             <a:r>
-              <a:rPr lang="en-US" dirty="0" err="1"/>
+              <a:rPr lang="en-US" dirty="0" err="1">
+                <a:latin typeface="+mn-lt"/>
+              </a:rPr>
               <a:t>genome.fa</a:t>
             </a:r>
-            <a:endParaRPr lang="en-US" dirty="0"/>
+            <a:endParaRPr lang="en-US" dirty="0">
+              <a:latin typeface="+mn-lt"/>
+            </a:endParaRPr>
           </a:p>
           <a:p>
             <a:r>
-              <a:rPr lang="en-US" dirty="0"/>
+              <a:rPr lang="en-US" dirty="0">
+                <a:latin typeface="+mn-lt"/>
+              </a:rPr>
               <a:t>&gt;1 </a:t>
             </a:r>
             <a:r>
-              <a:rPr lang="en-US" dirty="0" err="1"/>
+              <a:rPr lang="en-US" dirty="0" err="1">
+                <a:latin typeface="+mn-lt"/>
+              </a:rPr>
               <a:t>dna:chromosome</a:t>
             </a:r>
             <a:r>
-              <a:rPr lang="en-US" dirty="0"/>
+              <a:rPr lang="en-US" dirty="0">
+                <a:latin typeface="+mn-lt"/>
+              </a:rPr>
               <a:t> chromosome:GRCh37:1:1:249250621:1 REF</a:t>
             </a:r>
           </a:p>
@@ -17730,32 +17683,44 @@
             <a:pPr marL="114300" indent="0">
               <a:buNone/>
             </a:pPr>
-            <a:endParaRPr lang="en-US" dirty="0"/>
+            <a:endParaRPr lang="en-US" dirty="0">
+              <a:latin typeface="+mn-lt"/>
+            </a:endParaRPr>
           </a:p>
           <a:p>
             <a:r>
-              <a:rPr lang="en-US" dirty="0"/>
+              <a:rPr lang="en-US" dirty="0">
+                <a:latin typeface="+mn-lt"/>
+              </a:rPr>
               <a:t>Directly download from UCSC</a:t>
             </a:r>
           </a:p>
           <a:p>
             <a:r>
-              <a:rPr lang="en-US" dirty="0"/>
+              <a:rPr lang="en-US" dirty="0">
+                <a:latin typeface="+mn-lt"/>
+              </a:rPr>
               <a:t>&gt;chr1</a:t>
             </a:r>
           </a:p>
           <a:p>
             <a:r>
-              <a:rPr lang="en-US" dirty="0"/>
+              <a:rPr lang="en-US" dirty="0">
+                <a:latin typeface="+mn-lt"/>
+              </a:rPr>
               <a:t>NNNNNNNNNNNNNNNNNNNNNNNNNNNNNNNNNNNNNNNNNNNNNNNNNN</a:t>
             </a:r>
           </a:p>
           <a:p>
-            <a:endParaRPr lang="en-US" dirty="0"/>
+            <a:endParaRPr lang="en-US" dirty="0">
+              <a:latin typeface="+mn-lt"/>
+            </a:endParaRPr>
           </a:p>
           <a:p>
             <a:r>
-              <a:rPr lang="en-US" dirty="0"/>
+              <a:rPr lang="en-US" dirty="0">
+                <a:latin typeface="+mn-lt"/>
+              </a:rPr>
               <a:t>Cat | Tail return is not the same.</a:t>
             </a:r>
           </a:p>
@@ -17812,7 +17777,7 @@
           <a:bodyPr/>
           <a:lstStyle/>
           <a:p>
-            <a:endParaRPr lang="en-US"/>
+            <a:endParaRPr lang="en-US" dirty="0"/>
           </a:p>
         </p:txBody>
       </p:sp>
@@ -17834,11 +17799,15 @@
         </p:nvSpPr>
         <p:spPr/>
         <p:txBody>
-          <a:bodyPr/>
+          <a:bodyPr>
+            <a:normAutofit fontScale="92500" lnSpcReduction="10000"/>
+          </a:bodyPr>
           <a:lstStyle/>
           <a:p>
             <a:r>
-              <a:rPr lang="en-US" dirty="0"/>
+              <a:rPr lang="en-US" dirty="0">
+                <a:latin typeface="+mn-lt"/>
+              </a:rPr>
               <a:t>working version to git (Ravi): </a:t>
             </a:r>
           </a:p>
@@ -17846,41 +17815,189 @@
             <a:pPr lvl="2"/>
             <a:r>
               <a:rPr lang="en-US" u="sng" dirty="0">
+                <a:latin typeface="+mn-lt"/>
                 <a:hlinkClick r:id="rId2"/>
               </a:rPr>
               <a:t>https://github.com/guardant/ccbi/tree/non_human/src/python/non_human</a:t>
             </a:r>
-            <a:endParaRPr lang="en-US" u="sng" dirty="0"/>
+            <a:endParaRPr lang="en-US" u="sng" dirty="0">
+              <a:latin typeface="+mn-lt"/>
+            </a:endParaRPr>
           </a:p>
           <a:p>
             <a:r>
-              <a:rPr lang="en-US" dirty="0"/>
+              <a:rPr lang="en-US" dirty="0">
+                <a:latin typeface="+mn-lt"/>
+              </a:rPr>
               <a:t>Currently processing a set of 256 samples. The outputs will go here:</a:t>
             </a:r>
           </a:p>
           <a:p>
             <a:pPr lvl="2"/>
             <a:r>
-              <a:rPr lang="en-US" dirty="0"/>
+              <a:rPr lang="en-US" dirty="0">
+                <a:latin typeface="+mn-lt"/>
+              </a:rPr>
               <a:t>/</a:t>
             </a:r>
             <a:r>
-              <a:rPr lang="en-US" dirty="0" err="1"/>
+              <a:rPr lang="en-US" dirty="0" err="1">
+                <a:latin typeface="+mn-lt"/>
+              </a:rPr>
               <a:t>ghess</a:t>
             </a:r>
             <a:r>
-              <a:rPr lang="en-US" dirty="0"/>
+              <a:rPr lang="en-US" dirty="0">
+                <a:latin typeface="+mn-lt"/>
+              </a:rPr>
               <a:t>/groups/algorithms/projects/</a:t>
             </a:r>
             <a:r>
-              <a:rPr lang="en-US" dirty="0" err="1"/>
+              <a:rPr lang="en-US" dirty="0" err="1">
+                <a:latin typeface="+mn-lt"/>
+              </a:rPr>
               <a:t>non_human_contamination</a:t>
             </a:r>
             <a:r>
-              <a:rPr lang="en-US" dirty="0"/>
+              <a:rPr lang="en-US" dirty="0">
+                <a:latin typeface="+mn-lt"/>
+              </a:rPr>
               <a:t>/results/av_set1</a:t>
             </a:r>
-            <a:endParaRPr lang="en-US" u="sng" dirty="0"/>
+          </a:p>
+          <a:p>
+            <a:pPr lvl="2"/>
+            <a:endParaRPr lang="en-US" u="sng" dirty="0">
+              <a:latin typeface="+mn-lt"/>
+            </a:endParaRPr>
+          </a:p>
+          <a:p>
+            <a:pPr lvl="2"/>
+            <a:endParaRPr lang="en-US" u="sng" dirty="0">
+              <a:latin typeface="+mn-lt"/>
+            </a:endParaRPr>
+          </a:p>
+          <a:p>
+            <a:r>
+              <a:rPr lang="en-US" u="sng" dirty="0">
+                <a:latin typeface="+mn-lt"/>
+              </a:rPr>
+              <a:t>Some issues bwa with *.</a:t>
+            </a:r>
+            <a:r>
+              <a:rPr lang="en-US" u="sng" dirty="0" err="1">
+                <a:latin typeface="+mn-lt"/>
+              </a:rPr>
+              <a:t>fastq.gz</a:t>
+            </a:r>
+            <a:r>
+              <a:rPr lang="en-US" u="sng" dirty="0">
+                <a:latin typeface="+mn-lt"/>
+              </a:rPr>
+              <a:t>:</a:t>
+            </a:r>
+          </a:p>
+          <a:p>
+            <a:pPr lvl="1"/>
+            <a:r>
+              <a:rPr lang="en-US" dirty="0">
+                <a:latin typeface="+mn-lt"/>
+              </a:rPr>
+              <a:t>PG </a:t>
+            </a:r>
+            <a:r>
+              <a:rPr lang="en-US" dirty="0" err="1">
+                <a:latin typeface="+mn-lt"/>
+              </a:rPr>
+              <a:t>ID:bwa</a:t>
+            </a:r>
+            <a:r>
+              <a:rPr lang="en-US" dirty="0">
+                <a:latin typeface="+mn-lt"/>
+              </a:rPr>
+              <a:t> </a:t>
+            </a:r>
+            <a:r>
+              <a:rPr lang="en-US" dirty="0" err="1">
+                <a:latin typeface="+mn-lt"/>
+              </a:rPr>
+              <a:t>PN:bwa</a:t>
+            </a:r>
+            <a:r>
+              <a:rPr lang="en-US" dirty="0">
+                <a:latin typeface="+mn-lt"/>
+              </a:rPr>
+              <a:t> VN:0.7.15-r1140 </a:t>
+            </a:r>
+            <a:r>
+              <a:rPr lang="en-US" dirty="0" err="1">
+                <a:latin typeface="+mn-lt"/>
+              </a:rPr>
+              <a:t>CL:bwa</a:t>
+            </a:r>
+            <a:r>
+              <a:rPr lang="en-US" dirty="0">
+                <a:latin typeface="+mn-lt"/>
+              </a:rPr>
+              <a:t> mem -t 5 -M /</a:t>
+            </a:r>
+            <a:r>
+              <a:rPr lang="en-US" dirty="0" err="1">
+                <a:latin typeface="+mn-lt"/>
+              </a:rPr>
+              <a:t>ghds</a:t>
+            </a:r>
+            <a:r>
+              <a:rPr lang="en-US" dirty="0">
+                <a:latin typeface="+mn-lt"/>
+              </a:rPr>
+              <a:t>/groups/algorithms/ref/</a:t>
+            </a:r>
+            <a:r>
+              <a:rPr lang="en-US" dirty="0" err="1">
+                <a:latin typeface="+mn-lt"/>
+              </a:rPr>
+              <a:t>non_human_contaminants</a:t>
+            </a:r>
+            <a:r>
+              <a:rPr lang="en-US" dirty="0">
+                <a:latin typeface="+mn-lt"/>
+              </a:rPr>
+              <a:t>/</a:t>
+            </a:r>
+            <a:r>
+              <a:rPr lang="en-US" dirty="0" err="1">
+                <a:latin typeface="+mn-lt"/>
+              </a:rPr>
+              <a:t>raw_genomes</a:t>
+            </a:r>
+            <a:r>
+              <a:rPr lang="en-US" dirty="0">
+                <a:latin typeface="+mn-lt"/>
+              </a:rPr>
+              <a:t>/Genomev3/All_16_genomes.fa.gz -v 3 ./A017381551.mutant.fastq.gz </a:t>
+            </a:r>
+          </a:p>
+          <a:p>
+            <a:pPr lvl="1"/>
+            <a:r>
+              <a:rPr lang="en-US" dirty="0">
+                <a:latin typeface="+mn-lt"/>
+              </a:rPr>
+              <a:t>No issue detected</a:t>
+            </a:r>
+          </a:p>
+          <a:p>
+            <a:pPr lvl="1"/>
+            <a:endParaRPr lang="en-US" dirty="0">
+              <a:latin typeface="+mn-lt"/>
+            </a:endParaRPr>
+          </a:p>
+          <a:p>
+            <a:pPr lvl="1"/>
+            <a:endParaRPr lang="en-US" u="sng" dirty="0">
+              <a:latin typeface="+mn-lt"/>
+            </a:endParaRPr>
           </a:p>
         </p:txBody>
       </p:sp>
@@ -17961,13 +18078,19 @@
               <a:buNone/>
             </a:pPr>
             <a:r>
-              <a:rPr lang="en-US"/>
+              <a:rPr lang="en-US" dirty="0">
+                <a:latin typeface="+mn-lt"/>
+              </a:rPr>
               <a:t>Background (06/17/2021):</a:t>
             </a:r>
             <a:br>
-              <a:rPr lang="en-US"/>
+              <a:rPr lang="en-US" dirty="0">
+                <a:latin typeface="+mn-lt"/>
+              </a:rPr>
             </a:br>
-            <a:endParaRPr/>
+            <a:endParaRPr dirty="0">
+              <a:latin typeface="+mn-lt"/>
+            </a:endParaRPr>
           </a:p>
         </p:txBody>
       </p:sp>
@@ -18014,10 +18137,14 @@
               <a:buChar char="•"/>
             </a:pPr>
             <a:r>
-              <a:rPr lang="en-US"/>
+              <a:rPr lang="en-US" dirty="0">
+                <a:latin typeface="+mn-lt"/>
+              </a:rPr>
               <a:t>Motivation</a:t>
             </a:r>
-            <a:endParaRPr/>
+            <a:endParaRPr dirty="0">
+              <a:latin typeface="+mn-lt"/>
+            </a:endParaRPr>
           </a:p>
           <a:p>
             <a:pPr marL="685800" lvl="1" indent="-228600" algn="l" rtl="0">
@@ -18034,18 +18161,59 @@
               <a:buChar char="•"/>
             </a:pPr>
             <a:r>
-              <a:rPr lang="en-US"/>
+              <a:rPr lang="en-US" dirty="0">
+                <a:latin typeface="+mn-lt"/>
+              </a:rPr>
               <a:t>Contamination found from non-human DNA in AV Samples. </a:t>
             </a:r>
             <a:r>
-              <a:rPr lang="en-US" sz="1400">
+              <a:rPr lang="en-US" sz="1400" dirty="0">
                 <a:solidFill>
                   <a:srgbClr val="2E75B5"/>
                 </a:solidFill>
+                <a:latin typeface="+mn-lt"/>
               </a:rPr>
-              <a:t>(Ref: https://guardanthealth.atlassian.net/wiki/spaces/OM/pages/2189001914/Contamination+from+non-human+DNA+in+AV+Samples)</a:t>
+              <a:t>(Ref: https://</a:t>
             </a:r>
-            <a:endParaRPr/>
+            <a:r>
+              <a:rPr lang="en-US" sz="1400" dirty="0" err="1">
+                <a:solidFill>
+                  <a:srgbClr val="2E75B5"/>
+                </a:solidFill>
+                <a:latin typeface="+mn-lt"/>
+              </a:rPr>
+              <a:t>guardanthealth.atlassian.net</a:t>
+            </a:r>
+            <a:r>
+              <a:rPr lang="en-US" sz="1400" dirty="0">
+                <a:solidFill>
+                  <a:srgbClr val="2E75B5"/>
+                </a:solidFill>
+                <a:latin typeface="+mn-lt"/>
+              </a:rPr>
+              <a:t>/wiki/spaces/OM/pages/2189001914/</a:t>
+            </a:r>
+            <a:r>
+              <a:rPr lang="en-US" sz="1400" dirty="0" err="1">
+                <a:solidFill>
+                  <a:srgbClr val="2E75B5"/>
+                </a:solidFill>
+                <a:latin typeface="+mn-lt"/>
+              </a:rPr>
+              <a:t>Contamination+from+non-human+DNA+in+AV+Samples</a:t>
+            </a:r>
+            <a:r>
+              <a:rPr lang="en-US" sz="1400" dirty="0">
+                <a:solidFill>
+                  <a:srgbClr val="2E75B5"/>
+                </a:solidFill>
+                <a:latin typeface="+mn-lt"/>
+              </a:rPr>
+              <a:t>)</a:t>
+            </a:r>
+            <a:endParaRPr dirty="0">
+              <a:latin typeface="+mn-lt"/>
+            </a:endParaRPr>
           </a:p>
           <a:p>
             <a:pPr marL="228600" lvl="0" indent="-228600" algn="l" rtl="0">
@@ -18062,10 +18230,14 @@
               <a:buChar char="•"/>
             </a:pPr>
             <a:r>
-              <a:rPr lang="en-US"/>
+              <a:rPr lang="en-US" dirty="0">
+                <a:latin typeface="+mn-lt"/>
+              </a:rPr>
               <a:t>Mission</a:t>
             </a:r>
-            <a:endParaRPr/>
+            <a:endParaRPr dirty="0">
+              <a:latin typeface="+mn-lt"/>
+            </a:endParaRPr>
           </a:p>
           <a:p>
             <a:pPr marL="685800" lvl="1" indent="-228600" algn="l" rtl="0">
@@ -18082,10 +18254,14 @@
               <a:buChar char="•"/>
             </a:pPr>
             <a:r>
-              <a:rPr lang="en-US"/>
+              <a:rPr lang="en-US" dirty="0">
+                <a:latin typeface="+mn-lt"/>
+              </a:rPr>
               <a:t>Detect what percentage of sample reads that better align to non-human genome? (%)</a:t>
             </a:r>
-            <a:endParaRPr/>
+            <a:endParaRPr dirty="0">
+              <a:latin typeface="+mn-lt"/>
+            </a:endParaRPr>
           </a:p>
           <a:p>
             <a:pPr marL="228600" lvl="0" indent="-228600" algn="l" rtl="0">
@@ -18105,10 +18281,14 @@
               <a:buChar char="•"/>
             </a:pPr>
             <a:r>
-              <a:rPr lang="en-US"/>
+              <a:rPr lang="en-US" dirty="0">
+                <a:latin typeface="+mn-lt"/>
+              </a:rPr>
               <a:t>Plan</a:t>
             </a:r>
-            <a:endParaRPr/>
+            <a:endParaRPr dirty="0">
+              <a:latin typeface="+mn-lt"/>
+            </a:endParaRPr>
           </a:p>
           <a:p>
             <a:pPr marL="685800" lvl="1" indent="-228600" algn="l" rtl="0">
@@ -18125,10 +18305,26 @@
               <a:buChar char="•"/>
             </a:pPr>
             <a:r>
-              <a:rPr lang="en-US"/>
-              <a:t>Map 9~10 sample reads(from excel sheet) to cumstomized genome, count "better mapping" reads.</a:t>
+              <a:rPr lang="en-US" dirty="0">
+                <a:latin typeface="+mn-lt"/>
+              </a:rPr>
+              <a:t>Map 9~10 sample reads(from excel sheet) to </a:t>
             </a:r>
-            <a:endParaRPr/>
+            <a:r>
+              <a:rPr lang="en-US" dirty="0" err="1">
+                <a:latin typeface="+mn-lt"/>
+              </a:rPr>
+              <a:t>cumstomized</a:t>
+            </a:r>
+            <a:r>
+              <a:rPr lang="en-US" dirty="0">
+                <a:latin typeface="+mn-lt"/>
+              </a:rPr>
+              <a:t> genome, count "better mapping" reads.</a:t>
+            </a:r>
+            <a:endParaRPr dirty="0">
+              <a:latin typeface="+mn-lt"/>
+            </a:endParaRPr>
           </a:p>
           <a:p>
             <a:pPr marL="228600" lvl="0" indent="-228600" algn="l" rtl="0">
@@ -18148,10 +18344,14 @@
               <a:buChar char="•"/>
             </a:pPr>
             <a:r>
-              <a:rPr lang="en-US"/>
+              <a:rPr lang="en-US" dirty="0">
+                <a:latin typeface="+mn-lt"/>
+              </a:rPr>
               <a:t>Summary and report the mapping statistics. </a:t>
             </a:r>
-            <a:endParaRPr/>
+            <a:endParaRPr dirty="0">
+              <a:latin typeface="+mn-lt"/>
+            </a:endParaRPr>
           </a:p>
           <a:p>
             <a:pPr marL="228600" lvl="0" indent="-50800" algn="l" rtl="0">
@@ -18170,7 +18370,9 @@
               <a:buSzPts val="2800"/>
               <a:buNone/>
             </a:pPr>
-            <a:endParaRPr/>
+            <a:endParaRPr dirty="0">
+              <a:latin typeface="+mn-lt"/>
+            </a:endParaRPr>
           </a:p>
         </p:txBody>
       </p:sp>
@@ -18246,10 +18448,14 @@
               <a:buNone/>
             </a:pPr>
             <a:r>
-              <a:rPr lang="en-US"/>
+              <a:rPr lang="en-US" dirty="0">
+                <a:latin typeface="+mn-lt"/>
+              </a:rPr>
               <a:t>Selection of Genomes</a:t>
             </a:r>
-            <a:endParaRPr/>
+            <a:endParaRPr dirty="0">
+              <a:latin typeface="+mn-lt"/>
+            </a:endParaRPr>
           </a:p>
         </p:txBody>
       </p:sp>
@@ -18257,11 +18463,17 @@
         <p:nvGraphicFramePr>
           <p:cNvPr id="114" name="Google Shape;114;p3"/>
           <p:cNvGraphicFramePr/>
-          <p:nvPr/>
+          <p:nvPr>
+            <p:extLst>
+              <p:ext uri="{D42A27DB-BD31-4B8C-83A1-F6EECF244321}">
+                <p14:modId xmlns:p14="http://schemas.microsoft.com/office/powerpoint/2010/main" val="3047563305"/>
+              </p:ext>
+            </p:extLst>
+          </p:nvPr>
         </p:nvGraphicFramePr>
         <p:xfrm>
           <a:off x="922675" y="1320367"/>
-          <a:ext cx="3000000" cy="3000000"/>
+          <a:ext cx="4084875" cy="4821740"/>
         </p:xfrm>
         <a:graphic>
           <a:graphicData uri="http://schemas.openxmlformats.org/drawingml/2006/table">
@@ -19781,7 +19993,7 @@
                         <a:buNone/>
                       </a:pPr>
                       <a:r>
-                        <a:rPr lang="en-US" sz="1600" b="0" i="0" u="none" strike="noStrike" cap="none">
+                        <a:rPr lang="en-US" sz="1600" b="0" i="0" u="none" strike="noStrike" cap="none" dirty="0">
                           <a:solidFill>
                             <a:srgbClr val="000000"/>
                           </a:solidFill>
@@ -19792,7 +20004,7 @@
                         </a:rPr>
                         <a:t>Nile Tilapia fish</a:t>
                       </a:r>
-                      <a:endParaRPr sz="1400" u="none" strike="noStrike" cap="none"/>
+                      <a:endParaRPr sz="1400" u="none" strike="noStrike" cap="none" dirty="0"/>
                     </a:p>
                   </a:txBody>
                   <a:tcPr marL="9525" marR="9525" marT="9525" marB="0" anchor="ctr"/>
@@ -19944,7 +20156,7 @@
                         <a:buNone/>
                       </a:pPr>
                       <a:r>
-                        <a:rPr lang="en-US" sz="1600" b="0" i="0" u="none" strike="noStrike" cap="none">
+                        <a:rPr lang="en-US" sz="1600" b="0" i="0" u="none" strike="noStrike" cap="none" dirty="0">
                           <a:solidFill>
                             <a:srgbClr val="000000"/>
                           </a:solidFill>
@@ -19955,7 +20167,7 @@
                         </a:rPr>
                         <a:t>gadMor1</a:t>
                       </a:r>
-                      <a:endParaRPr sz="1400" u="none" strike="noStrike" cap="none"/>
+                      <a:endParaRPr sz="1400" u="none" strike="noStrike" cap="none" dirty="0"/>
                     </a:p>
                   </a:txBody>
                   <a:tcPr marL="9525" marR="9525" marT="9525" marB="0" anchor="ctr"/>
@@ -20029,10 +20241,10 @@
                         <a:buNone/>
                       </a:pPr>
                       <a:r>
-                        <a:rPr lang="en-US" sz="1600" u="none" strike="noStrike" cap="none"/>
+                        <a:rPr lang="en-US" sz="1600" u="none" strike="noStrike" cap="none" dirty="0"/>
                         <a:t>dm6 # fruit fly 44M    sacCer3 # Yeast.  3.7</a:t>
                       </a:r>
-                      <a:endParaRPr sz="1400" u="none" strike="noStrike" cap="none"/>
+                      <a:endParaRPr sz="1400" u="none" strike="noStrike" cap="none" dirty="0"/>
                     </a:p>
                   </a:txBody>
                   <a:tcPr marL="91450" marR="91450" marT="45725" marB="45725"/>
@@ -20076,7 +20288,7 @@
         <p:spPr>
           <a:xfrm>
             <a:off x="1147657" y="6142250"/>
-            <a:ext cx="3422284" cy="369332"/>
+            <a:ext cx="3422284" cy="646290"/>
           </a:xfrm>
           <a:prstGeom prst="rect">
             <a:avLst/>
@@ -20110,22 +20322,22 @@
               <a:buNone/>
             </a:pPr>
             <a:r>
-              <a:rPr lang="en-US" sz="1800" b="0" i="0" u="none" strike="noStrike" cap="none">
+              <a:rPr lang="en-US" sz="1800" b="0" i="0" u="none" strike="noStrike" cap="none" dirty="0">
                 <a:solidFill>
                   <a:schemeClr val="dk1"/>
                 </a:solidFill>
-                <a:latin typeface="Calibri"/>
+                <a:latin typeface="+mn-lt"/>
                 <a:ea typeface="Calibri"/>
                 <a:cs typeface="Calibri"/>
                 <a:sym typeface="Calibri"/>
               </a:rPr>
               <a:t>8978 Mb of compressed genomes.</a:t>
             </a:r>
-            <a:endParaRPr sz="1400" b="0" i="0" u="none" strike="noStrike" cap="none">
+            <a:endParaRPr sz="1400" b="0" i="0" u="none" strike="noStrike" cap="none" dirty="0">
               <a:solidFill>
                 <a:srgbClr val="000000"/>
               </a:solidFill>
-              <a:latin typeface="Arial"/>
+              <a:latin typeface="+mn-lt"/>
               <a:ea typeface="Arial"/>
               <a:cs typeface="Arial"/>
               <a:sym typeface="Arial"/>
@@ -20142,7 +20354,7 @@
         <p:spPr>
           <a:xfrm>
             <a:off x="5284000" y="2041475"/>
-            <a:ext cx="6422400" cy="2878200"/>
+            <a:ext cx="6422400" cy="2909997"/>
           </a:xfrm>
           <a:prstGeom prst="rect">
             <a:avLst/>
@@ -20171,22 +20383,22 @@
               <a:buNone/>
             </a:pPr>
             <a:r>
-              <a:rPr lang="en-US" b="1">
+              <a:rPr lang="en-US" b="1" dirty="0">
                 <a:solidFill>
                   <a:schemeClr val="dk1"/>
                 </a:solidFill>
-                <a:latin typeface="Helvetica Neue"/>
+                <a:latin typeface="+mn-lt"/>
                 <a:ea typeface="Helvetica Neue"/>
                 <a:cs typeface="Helvetica Neue"/>
                 <a:sym typeface="Helvetica Neue"/>
               </a:rPr>
               <a:t>QC Strategy</a:t>
             </a:r>
-            <a:endParaRPr b="1">
+            <a:endParaRPr b="1" dirty="0">
               <a:solidFill>
                 <a:schemeClr val="dk1"/>
               </a:solidFill>
-              <a:latin typeface="Helvetica Neue"/>
+              <a:latin typeface="+mn-lt"/>
               <a:ea typeface="Helvetica Neue"/>
               <a:cs typeface="Helvetica Neue"/>
               <a:sym typeface="Helvetica Neue"/>
@@ -20206,30 +20418,31 @@
               <a:buNone/>
             </a:pPr>
             <a:r>
-              <a:rPr lang="en-US">
+              <a:rPr lang="en-US" dirty="0">
                 <a:solidFill>
                   <a:schemeClr val="dk1"/>
                 </a:solidFill>
+                <a:latin typeface="+mn-lt"/>
               </a:rPr>
               <a:t>•</a:t>
             </a:r>
             <a:r>
-              <a:rPr lang="en-US">
+              <a:rPr lang="en-US" dirty="0">
                 <a:solidFill>
                   <a:schemeClr val="dk1"/>
                 </a:solidFill>
-                <a:latin typeface="Helvetica Neue"/>
+                <a:latin typeface="+mn-lt"/>
                 <a:ea typeface="Helvetica Neue"/>
                 <a:cs typeface="Helvetica Neue"/>
                 <a:sym typeface="Helvetica Neue"/>
               </a:rPr>
               <a:t>Extract all reads supporting variants with MAF &lt; X% (ideally, X ~ 1%)</a:t>
             </a:r>
-            <a:endParaRPr>
+            <a:endParaRPr dirty="0">
               <a:solidFill>
                 <a:schemeClr val="dk1"/>
               </a:solidFill>
-              <a:latin typeface="Helvetica Neue"/>
+              <a:latin typeface="+mn-lt"/>
               <a:ea typeface="Helvetica Neue"/>
               <a:cs typeface="Helvetica Neue"/>
               <a:sym typeface="Helvetica Neue"/>
@@ -20249,30 +20462,31 @@
               <a:buNone/>
             </a:pPr>
             <a:r>
-              <a:rPr lang="en-US">
+              <a:rPr lang="en-US" dirty="0">
                 <a:solidFill>
                   <a:schemeClr val="dk1"/>
                 </a:solidFill>
+                <a:latin typeface="+mn-lt"/>
               </a:rPr>
               <a:t>•</a:t>
             </a:r>
             <a:r>
-              <a:rPr lang="en-US">
+              <a:rPr lang="en-US" dirty="0">
                 <a:solidFill>
                   <a:schemeClr val="dk1"/>
                 </a:solidFill>
-                <a:latin typeface="Helvetica Neue"/>
+                <a:latin typeface="+mn-lt"/>
                 <a:ea typeface="Helvetica Neue"/>
                 <a:cs typeface="Helvetica Neue"/>
                 <a:sym typeface="Helvetica Neue"/>
               </a:rPr>
               <a:t>Map the reads to a set of common contaminant genomes</a:t>
             </a:r>
-            <a:endParaRPr>
+            <a:endParaRPr dirty="0">
               <a:solidFill>
                 <a:schemeClr val="dk1"/>
               </a:solidFill>
-              <a:latin typeface="Helvetica Neue"/>
+              <a:latin typeface="+mn-lt"/>
               <a:ea typeface="Helvetica Neue"/>
               <a:cs typeface="Helvetica Neue"/>
               <a:sym typeface="Helvetica Neue"/>
@@ -20292,30 +20506,31 @@
               <a:buNone/>
             </a:pPr>
             <a:r>
-              <a:rPr lang="en-US">
+              <a:rPr lang="en-US" dirty="0">
                 <a:solidFill>
                   <a:schemeClr val="dk1"/>
                 </a:solidFill>
+                <a:latin typeface="+mn-lt"/>
               </a:rPr>
               <a:t>•</a:t>
             </a:r>
             <a:r>
-              <a:rPr lang="en-US">
+              <a:rPr lang="en-US" dirty="0">
                 <a:solidFill>
                   <a:schemeClr val="dk1"/>
                 </a:solidFill>
-                <a:latin typeface="Helvetica Neue"/>
+                <a:latin typeface="+mn-lt"/>
                 <a:ea typeface="Helvetica Neue"/>
                 <a:cs typeface="Helvetica Neue"/>
                 <a:sym typeface="Helvetica Neue"/>
               </a:rPr>
               <a:t>Flag variants that indicate non-human origin</a:t>
             </a:r>
-            <a:endParaRPr>
+            <a:endParaRPr dirty="0">
               <a:solidFill>
                 <a:schemeClr val="dk1"/>
               </a:solidFill>
-              <a:latin typeface="Helvetica Neue"/>
+              <a:latin typeface="+mn-lt"/>
               <a:ea typeface="Helvetica Neue"/>
               <a:cs typeface="Helvetica Neue"/>
               <a:sym typeface="Helvetica Neue"/>
@@ -20335,30 +20550,31 @@
               <a:buNone/>
             </a:pPr>
             <a:r>
-              <a:rPr lang="en-US">
+              <a:rPr lang="en-US" dirty="0">
                 <a:solidFill>
                   <a:schemeClr val="dk1"/>
                 </a:solidFill>
+                <a:latin typeface="+mn-lt"/>
               </a:rPr>
               <a:t>•</a:t>
             </a:r>
             <a:r>
-              <a:rPr lang="en-US">
+              <a:rPr lang="en-US" dirty="0">
                 <a:solidFill>
                   <a:schemeClr val="dk1"/>
                 </a:solidFill>
-                <a:latin typeface="Helvetica Neue"/>
+                <a:latin typeface="+mn-lt"/>
                 <a:ea typeface="Helvetica Neue"/>
                 <a:cs typeface="Helvetica Neue"/>
                 <a:sym typeface="Helvetica Neue"/>
               </a:rPr>
               <a:t>Either flag the sample or selectively exclude the flagged variants from somatic reporting</a:t>
             </a:r>
-            <a:endParaRPr>
+            <a:endParaRPr dirty="0">
               <a:solidFill>
                 <a:schemeClr val="dk1"/>
               </a:solidFill>
-              <a:latin typeface="Helvetica Neue"/>
+              <a:latin typeface="+mn-lt"/>
               <a:ea typeface="Helvetica Neue"/>
               <a:cs typeface="Helvetica Neue"/>
               <a:sym typeface="Helvetica Neue"/>
@@ -20377,10 +20593,11 @@
               </a:spcAft>
               <a:buNone/>
             </a:pPr>
-            <a:endParaRPr>
+            <a:endParaRPr dirty="0">
               <a:solidFill>
                 <a:schemeClr val="dk1"/>
               </a:solidFill>
+              <a:latin typeface="+mn-lt"/>
             </a:endParaRPr>
           </a:p>
           <a:p>
@@ -20397,22 +20614,22 @@
               <a:buNone/>
             </a:pPr>
             <a:r>
-              <a:rPr lang="en-US" b="1">
+              <a:rPr lang="en-US" b="1" dirty="0">
                 <a:solidFill>
                   <a:schemeClr val="dk1"/>
                 </a:solidFill>
-                <a:latin typeface="Helvetica Neue"/>
+                <a:latin typeface="+mn-lt"/>
                 <a:ea typeface="Helvetica Neue"/>
                 <a:cs typeface="Helvetica Neue"/>
                 <a:sym typeface="Helvetica Neue"/>
               </a:rPr>
               <a:t>Analysis of previously flagged samples</a:t>
             </a:r>
-            <a:endParaRPr b="1">
+            <a:endParaRPr b="1" dirty="0">
               <a:solidFill>
                 <a:schemeClr val="dk1"/>
               </a:solidFill>
-              <a:latin typeface="Helvetica Neue"/>
+              <a:latin typeface="+mn-lt"/>
               <a:ea typeface="Helvetica Neue"/>
               <a:cs typeface="Helvetica Neue"/>
               <a:sym typeface="Helvetica Neue"/>
@@ -20432,30 +20649,31 @@
               <a:buNone/>
             </a:pPr>
             <a:r>
-              <a:rPr lang="en-US">
+              <a:rPr lang="en-US" dirty="0">
                 <a:solidFill>
                   <a:schemeClr val="dk1"/>
                 </a:solidFill>
+                <a:latin typeface="+mn-lt"/>
               </a:rPr>
               <a:t>•</a:t>
             </a:r>
             <a:r>
-              <a:rPr lang="en-US">
+              <a:rPr lang="en-US" dirty="0">
                 <a:solidFill>
                   <a:schemeClr val="dk1"/>
                 </a:solidFill>
-                <a:latin typeface="Helvetica Neue"/>
+                <a:latin typeface="+mn-lt"/>
                 <a:ea typeface="Helvetica Neue"/>
                 <a:cs typeface="Helvetica Neue"/>
                 <a:sym typeface="Helvetica Neue"/>
               </a:rPr>
               <a:t>What fraction of total reads support the contamination call?</a:t>
             </a:r>
-            <a:endParaRPr>
+            <a:endParaRPr dirty="0">
               <a:solidFill>
                 <a:schemeClr val="dk1"/>
               </a:solidFill>
-              <a:latin typeface="Helvetica Neue"/>
+              <a:latin typeface="+mn-lt"/>
               <a:ea typeface="Helvetica Neue"/>
               <a:cs typeface="Helvetica Neue"/>
               <a:sym typeface="Helvetica Neue"/>
@@ -20475,30 +20693,31 @@
               <a:buNone/>
             </a:pPr>
             <a:r>
-              <a:rPr lang="en-US">
+              <a:rPr lang="en-US" dirty="0">
                 <a:solidFill>
                   <a:schemeClr val="dk1"/>
                 </a:solidFill>
+                <a:latin typeface="+mn-lt"/>
               </a:rPr>
               <a:t>•</a:t>
             </a:r>
             <a:r>
-              <a:rPr lang="en-US">
+              <a:rPr lang="en-US" dirty="0">
                 <a:solidFill>
                   <a:schemeClr val="dk1"/>
                 </a:solidFill>
-                <a:latin typeface="Helvetica Neue"/>
+                <a:latin typeface="+mn-lt"/>
                 <a:ea typeface="Helvetica Neue"/>
                 <a:cs typeface="Helvetica Neue"/>
                 <a:sym typeface="Helvetica Neue"/>
               </a:rPr>
               <a:t>Are the selected genomes sufficient to identify the contamination?</a:t>
             </a:r>
-            <a:endParaRPr>
+            <a:endParaRPr dirty="0">
               <a:solidFill>
                 <a:schemeClr val="dk1"/>
               </a:solidFill>
-              <a:latin typeface="Helvetica Neue"/>
+              <a:latin typeface="+mn-lt"/>
               <a:ea typeface="Helvetica Neue"/>
               <a:cs typeface="Helvetica Neue"/>
               <a:sym typeface="Helvetica Neue"/>
@@ -20518,30 +20737,31 @@
               <a:buNone/>
             </a:pPr>
             <a:r>
-              <a:rPr lang="en-US">
+              <a:rPr lang="en-US" dirty="0">
                 <a:solidFill>
                   <a:schemeClr val="dk1"/>
                 </a:solidFill>
+                <a:latin typeface="+mn-lt"/>
               </a:rPr>
               <a:t>•</a:t>
             </a:r>
             <a:r>
-              <a:rPr lang="en-US">
+              <a:rPr lang="en-US" dirty="0">
                 <a:solidFill>
                   <a:schemeClr val="dk1"/>
                 </a:solidFill>
-                <a:latin typeface="Helvetica Neue"/>
+                <a:latin typeface="+mn-lt"/>
                 <a:ea typeface="Helvetica Neue"/>
                 <a:cs typeface="Helvetica Neue"/>
                 <a:sym typeface="Helvetica Neue"/>
               </a:rPr>
               <a:t>Computational feasibility of mapping all of the reads to these genomes</a:t>
             </a:r>
-            <a:endParaRPr>
+            <a:endParaRPr dirty="0">
               <a:solidFill>
                 <a:schemeClr val="dk1"/>
               </a:solidFill>
-              <a:latin typeface="Helvetica Neue"/>
+              <a:latin typeface="+mn-lt"/>
               <a:ea typeface="Helvetica Neue"/>
               <a:cs typeface="Helvetica Neue"/>
               <a:sym typeface="Helvetica Neue"/>
@@ -20617,10 +20837,14 @@
               <a:buNone/>
             </a:pPr>
             <a:r>
-              <a:rPr lang="en-US"/>
+              <a:rPr lang="en-US" dirty="0">
+                <a:latin typeface="+mn-lt"/>
+              </a:rPr>
               <a:t>STATS of better mapping reads with MAPQ=60</a:t>
             </a:r>
-            <a:endParaRPr/>
+            <a:endParaRPr dirty="0">
+              <a:latin typeface="+mn-lt"/>
+            </a:endParaRPr>
           </a:p>
         </p:txBody>
       </p:sp>
@@ -20667,28 +20891,28 @@
               <a:buNone/>
             </a:pPr>
             <a:r>
-              <a:rPr lang="en-US" sz="1200" b="0" i="0" u="none" strike="noStrike" cap="none">
+              <a:rPr lang="en-US" sz="1200" b="0" i="0" u="none" strike="noStrike" cap="none" dirty="0">
                 <a:solidFill>
                   <a:schemeClr val="dk1"/>
                 </a:solidFill>
                 <a:highlight>
                   <a:srgbClr val="FFFF00"/>
                 </a:highlight>
-                <a:latin typeface="Calibri"/>
+                <a:latin typeface="+mn-lt"/>
                 <a:ea typeface="Calibri"/>
                 <a:cs typeface="Calibri"/>
                 <a:sym typeface="Calibri"/>
               </a:rPr>
               <a:t># of reads &gt; 100 are highlighted</a:t>
             </a:r>
-            <a:endParaRPr sz="1200" b="0" i="0" u="none" strike="noStrike" cap="none">
+            <a:endParaRPr sz="1200" b="0" i="0" u="none" strike="noStrike" cap="none" dirty="0">
               <a:solidFill>
                 <a:schemeClr val="dk1"/>
               </a:solidFill>
               <a:highlight>
                 <a:srgbClr val="FFFF00"/>
               </a:highlight>
-              <a:latin typeface="Calibri"/>
+              <a:latin typeface="+mn-lt"/>
               <a:ea typeface="Calibri"/>
               <a:cs typeface="Calibri"/>
               <a:sym typeface="Calibri"/>
@@ -20704,7 +20928,7 @@
         </p:nvGraphicFramePr>
         <p:xfrm>
           <a:off x="573942" y="1513392"/>
-          <a:ext cx="3000000" cy="3000000"/>
+          <a:ext cx="1588075" cy="5068950"/>
         </p:xfrm>
         <a:graphic>
           <a:graphicData uri="http://schemas.openxmlformats.org/drawingml/2006/table">
@@ -20746,10 +20970,10 @@
                         <a:buNone/>
                       </a:pPr>
                       <a:r>
-                        <a:rPr lang="en-US" sz="1800" b="0" u="none" strike="noStrike" cap="none"/>
+                        <a:rPr lang="en-US" sz="1800" b="0" u="none" strike="noStrike" cap="none" dirty="0"/>
                         <a:t>Genome</a:t>
                       </a:r>
-                      <a:endParaRPr sz="1400" u="none" strike="noStrike" cap="none"/>
+                      <a:endParaRPr sz="1400" u="none" strike="noStrike" cap="none" dirty="0"/>
                     </a:p>
                   </a:txBody>
                   <a:tcPr marL="91450" marR="91450" marT="45725" marB="45725" anchor="ctr"/>
@@ -21336,10 +21560,10 @@
                         <a:buNone/>
                       </a:pPr>
                       <a:r>
-                        <a:rPr lang="en-US" sz="1400" u="none" strike="noStrike" cap="none"/>
+                        <a:rPr lang="en-US" sz="1400" u="none" strike="noStrike" cap="none" dirty="0"/>
                         <a:t>Sum</a:t>
                       </a:r>
-                      <a:endParaRPr sz="1400" u="none" strike="noStrike" cap="none"/>
+                      <a:endParaRPr sz="1400" u="none" strike="noStrike" cap="none" dirty="0"/>
                     </a:p>
                   </a:txBody>
                   <a:tcPr marL="9150" marR="9525" marT="9525" marB="0" anchor="ctr"/>
@@ -21424,22 +21648,22 @@
               <a:buNone/>
             </a:pPr>
             <a:r>
-              <a:rPr lang="en-US" sz="1400" b="0" i="0" u="none" strike="noStrike" cap="none">
+              <a:rPr lang="en-US" sz="1400" b="0" i="0" u="none" strike="noStrike" cap="none" dirty="0">
                 <a:solidFill>
                   <a:srgbClr val="000000"/>
                 </a:solidFill>
-                <a:latin typeface="Arial"/>
+                <a:latin typeface="+mn-lt"/>
                 <a:ea typeface="Arial"/>
                 <a:cs typeface="Arial"/>
                 <a:sym typeface="Arial"/>
               </a:rPr>
               <a:t>Major source of contamination:</a:t>
             </a:r>
-            <a:endParaRPr sz="1400" b="0" i="0" u="none" strike="noStrike" cap="none">
+            <a:endParaRPr sz="1400" b="0" i="0" u="none" strike="noStrike" cap="none" dirty="0">
               <a:solidFill>
                 <a:srgbClr val="000000"/>
               </a:solidFill>
-              <a:latin typeface="Arial"/>
+              <a:latin typeface="+mn-lt"/>
               <a:ea typeface="Arial"/>
               <a:cs typeface="Arial"/>
               <a:sym typeface="Arial"/>
@@ -21490,22 +21714,22 @@
               <a:buNone/>
             </a:pPr>
             <a:r>
-              <a:rPr lang="en-US" sz="1400" b="0" i="0" u="none" strike="noStrike" cap="none">
+              <a:rPr lang="en-US" sz="1400" b="0" i="0" u="none" strike="noStrike" cap="none" dirty="0">
                 <a:solidFill>
                   <a:srgbClr val="000000"/>
                 </a:solidFill>
-                <a:latin typeface="Arial"/>
+                <a:latin typeface="+mn-lt"/>
                 <a:ea typeface="Arial"/>
                 <a:cs typeface="Arial"/>
                 <a:sym typeface="Arial"/>
               </a:rPr>
               <a:t>Turkey, Chicken</a:t>
             </a:r>
-            <a:endParaRPr sz="1400" b="0" i="0" u="none" strike="noStrike" cap="none">
+            <a:endParaRPr sz="1400" b="0" i="0" u="none" strike="noStrike" cap="none" dirty="0">
               <a:solidFill>
                 <a:srgbClr val="000000"/>
               </a:solidFill>
-              <a:latin typeface="Arial"/>
+              <a:latin typeface="+mn-lt"/>
               <a:ea typeface="Arial"/>
               <a:cs typeface="Arial"/>
               <a:sym typeface="Arial"/>
@@ -21568,7 +21792,7 @@
               <a:solidFill>
                 <a:schemeClr val="dk1"/>
               </a:solidFill>
-              <a:latin typeface="Arial"/>
+              <a:latin typeface="+mn-lt"/>
               <a:ea typeface="Arial"/>
               <a:cs typeface="Arial"/>
               <a:sym typeface="Arial"/>
@@ -21623,7 +21847,7 @@
                 <a:solidFill>
                   <a:srgbClr val="000000"/>
                 </a:solidFill>
-                <a:latin typeface="Arial"/>
+                <a:latin typeface="+mn-lt"/>
                 <a:ea typeface="Arial"/>
                 <a:cs typeface="Arial"/>
                 <a:sym typeface="Arial"/>
@@ -21634,7 +21858,7 @@
               <a:solidFill>
                 <a:srgbClr val="000000"/>
               </a:solidFill>
-              <a:latin typeface="Arial"/>
+              <a:latin typeface="+mn-lt"/>
               <a:ea typeface="Arial"/>
               <a:cs typeface="Arial"/>
               <a:sym typeface="Arial"/>
@@ -21689,7 +21913,7 @@
                 <a:solidFill>
                   <a:srgbClr val="000000"/>
                 </a:solidFill>
-                <a:latin typeface="Arial"/>
+                <a:latin typeface="+mn-lt"/>
                 <a:ea typeface="Arial"/>
                 <a:cs typeface="Arial"/>
                 <a:sym typeface="Arial"/>
@@ -21700,7 +21924,7 @@
               <a:solidFill>
                 <a:srgbClr val="000000"/>
               </a:solidFill>
-              <a:latin typeface="Arial"/>
+              <a:latin typeface="+mn-lt"/>
               <a:ea typeface="Arial"/>
               <a:cs typeface="Arial"/>
               <a:sym typeface="Arial"/>
@@ -21755,7 +21979,7 @@
                 <a:solidFill>
                   <a:srgbClr val="000000"/>
                 </a:solidFill>
-                <a:latin typeface="Arial"/>
+                <a:latin typeface="+mn-lt"/>
                 <a:ea typeface="Arial"/>
                 <a:cs typeface="Arial"/>
                 <a:sym typeface="Arial"/>
@@ -21766,7 +21990,7 @@
               <a:solidFill>
                 <a:srgbClr val="000000"/>
               </a:solidFill>
-              <a:latin typeface="Arial"/>
+              <a:latin typeface="+mn-lt"/>
               <a:ea typeface="Arial"/>
               <a:cs typeface="Arial"/>
               <a:sym typeface="Arial"/>
@@ -21821,7 +22045,7 @@
                 <a:solidFill>
                   <a:srgbClr val="000000"/>
                 </a:solidFill>
-                <a:latin typeface="Arial"/>
+                <a:latin typeface="+mn-lt"/>
                 <a:ea typeface="Arial"/>
                 <a:cs typeface="Arial"/>
                 <a:sym typeface="Arial"/>
@@ -21832,7 +22056,7 @@
               <a:solidFill>
                 <a:srgbClr val="000000"/>
               </a:solidFill>
-              <a:latin typeface="Arial"/>
+              <a:latin typeface="+mn-lt"/>
               <a:ea typeface="Arial"/>
               <a:cs typeface="Arial"/>
               <a:sym typeface="Arial"/>
@@ -21849,7 +22073,7 @@
         <p:spPr>
           <a:xfrm>
             <a:off x="9122730" y="1394649"/>
-            <a:ext cx="726481" cy="307777"/>
+            <a:ext cx="726481" cy="523180"/>
           </a:xfrm>
           <a:prstGeom prst="rect">
             <a:avLst/>
@@ -21887,7 +22111,7 @@
                 <a:solidFill>
                   <a:schemeClr val="dk1"/>
                 </a:solidFill>
-                <a:latin typeface="Calibri"/>
+                <a:latin typeface="+mn-lt"/>
                 <a:ea typeface="Calibri"/>
                 <a:cs typeface="Calibri"/>
                 <a:sym typeface="Calibri"/>
@@ -21898,7 +22122,7 @@
               <a:solidFill>
                 <a:srgbClr val="000000"/>
               </a:solidFill>
-              <a:latin typeface="Arial"/>
+              <a:latin typeface="+mn-lt"/>
               <a:ea typeface="Arial"/>
               <a:cs typeface="Arial"/>
               <a:sym typeface="Arial"/>
@@ -21915,7 +22139,7 @@
         <p:spPr>
           <a:xfrm>
             <a:off x="10553446" y="1393150"/>
-            <a:ext cx="795411" cy="307777"/>
+            <a:ext cx="795411" cy="523180"/>
           </a:xfrm>
           <a:prstGeom prst="rect">
             <a:avLst/>
@@ -21953,7 +22177,7 @@
                 <a:solidFill>
                   <a:schemeClr val="dk1"/>
                 </a:solidFill>
-                <a:latin typeface="Calibri"/>
+                <a:latin typeface="+mn-lt"/>
                 <a:ea typeface="Calibri"/>
                 <a:cs typeface="Calibri"/>
                 <a:sym typeface="Calibri"/>
@@ -21964,7 +22188,7 @@
               <a:solidFill>
                 <a:srgbClr val="000000"/>
               </a:solidFill>
-              <a:latin typeface="Arial"/>
+              <a:latin typeface="+mn-lt"/>
               <a:ea typeface="Arial"/>
               <a:cs typeface="Arial"/>
               <a:sym typeface="Arial"/>
@@ -22027,7 +22251,7 @@
               <a:solidFill>
                 <a:schemeClr val="dk1"/>
               </a:solidFill>
-              <a:latin typeface="Arial"/>
+              <a:latin typeface="+mn-lt"/>
               <a:ea typeface="Arial"/>
               <a:cs typeface="Arial"/>
               <a:sym typeface="Arial"/>
@@ -22107,10 +22331,18 @@
               <a:buNone/>
             </a:pPr>
             <a:r>
-              <a:rPr lang="en-US"/>
-              <a:t>Non-hg reads(mapQ=60) map to hg</a:t>
+              <a:rPr lang="en-US" dirty="0"/>
+              <a:t>Non-hg reads(</a:t>
             </a:r>
-            <a:endParaRPr/>
+            <a:r>
+              <a:rPr lang="en-US" dirty="0" err="1"/>
+              <a:t>mapQ</a:t>
+            </a:r>
+            <a:r>
+              <a:rPr lang="en-US" dirty="0"/>
+              <a:t>=60) map to hg</a:t>
+            </a:r>
+            <a:endParaRPr dirty="0"/>
           </a:p>
         </p:txBody>
       </p:sp>
@@ -22118,11 +22350,17 @@
         <p:nvGraphicFramePr>
           <p:cNvPr id="140" name="Google Shape;140;p9"/>
           <p:cNvGraphicFramePr/>
-          <p:nvPr/>
+          <p:nvPr>
+            <p:extLst>
+              <p:ext uri="{D42A27DB-BD31-4B8C-83A1-F6EECF244321}">
+                <p14:modId xmlns:p14="http://schemas.microsoft.com/office/powerpoint/2010/main" val="2394805598"/>
+              </p:ext>
+            </p:extLst>
+          </p:nvPr>
         </p:nvGraphicFramePr>
         <p:xfrm>
           <a:off x="19723" y="769440"/>
-          <a:ext cx="3000000" cy="3000000"/>
+          <a:ext cx="11909425" cy="679145"/>
         </p:xfrm>
         <a:graphic>
           <a:graphicData uri="http://schemas.openxmlformats.org/drawingml/2006/table">
@@ -22259,14 +22497,14 @@
                         <a:buNone/>
                       </a:pPr>
                       <a:r>
-                        <a:rPr lang="en-US" sz="1200" b="1" u="none" strike="noStrike" cap="none">
+                        <a:rPr lang="en-US" sz="1200" b="1" u="none" strike="noStrike" cap="none" dirty="0">
                           <a:solidFill>
                             <a:schemeClr val="lt1"/>
                           </a:solidFill>
                         </a:rPr>
                         <a:t>A0261917PRE-05</a:t>
                       </a:r>
-                      <a:endParaRPr sz="1200" b="1" i="0" u="none" strike="noStrike" cap="none">
+                      <a:endParaRPr sz="1200" b="1" i="0" u="none" strike="noStrike" cap="none" dirty="0">
                         <a:solidFill>
                           <a:schemeClr val="lt1"/>
                         </a:solidFill>
@@ -22936,14 +23174,14 @@
                         <a:buNone/>
                       </a:pPr>
                       <a:r>
-                        <a:rPr lang="en-US" sz="1800" b="1" u="none" strike="noStrike" cap="none">
+                        <a:rPr lang="en-US" sz="1800" b="1" u="none" strike="noStrike" cap="none" dirty="0">
                           <a:highlight>
                             <a:srgbClr val="FFFF00"/>
                           </a:highlight>
                         </a:rPr>
                         <a:t>58147</a:t>
                       </a:r>
-                      <a:endParaRPr sz="1800" b="1" i="0" u="none" strike="noStrike" cap="none">
+                      <a:endParaRPr sz="1800" b="1" i="0" u="none" strike="noStrike" cap="none" dirty="0">
                         <a:solidFill>
                           <a:srgbClr val="000000"/>
                         </a:solidFill>
@@ -23228,7 +23466,7 @@
               <a:buNone/>
             </a:pPr>
             <a:r>
-              <a:rPr lang="en-US" sz="1800" b="1" i="0" u="none" strike="noStrike" cap="none">
+              <a:rPr lang="en-US" sz="1800" b="1" i="0" u="none" strike="noStrike" cap="none" dirty="0">
                 <a:solidFill>
                   <a:schemeClr val="dk1"/>
                 </a:solidFill>
@@ -23239,7 +23477,7 @@
               </a:rPr>
               <a:t>417</a:t>
             </a:r>
-            <a:endParaRPr sz="1800" b="1" i="0" u="none" strike="noStrike" cap="none">
+            <a:endParaRPr sz="1800" b="1" i="0" u="none" strike="noStrike" cap="none" dirty="0">
               <a:solidFill>
                 <a:srgbClr val="000000"/>
               </a:solidFill>
@@ -23294,7 +23532,7 @@
               <a:buNone/>
             </a:pPr>
             <a:r>
-              <a:rPr lang="en-US" sz="1800" b="1" i="0" u="none" strike="noStrike" cap="none">
+              <a:rPr lang="en-US" sz="1800" b="1" i="0" u="none" strike="noStrike" cap="none" dirty="0">
                 <a:solidFill>
                   <a:schemeClr val="dk1"/>
                 </a:solidFill>
@@ -23305,7 +23543,7 @@
               </a:rPr>
               <a:t>369</a:t>
             </a:r>
-            <a:endParaRPr sz="1800" b="0" i="0" u="none" strike="noStrike" cap="none">
+            <a:endParaRPr sz="1800" b="0" i="0" u="none" strike="noStrike" cap="none" dirty="0">
               <a:solidFill>
                 <a:schemeClr val="dk1"/>
               </a:solidFill>
@@ -23360,7 +23598,7 @@
               <a:buNone/>
             </a:pPr>
             <a:r>
-              <a:rPr lang="en-US" sz="1800" b="1" i="0" u="none" strike="noStrike" cap="none">
+              <a:rPr lang="en-US" sz="1800" b="1" i="0" u="none" strike="noStrike" cap="none" dirty="0">
                 <a:solidFill>
                   <a:schemeClr val="dk1"/>
                 </a:solidFill>
@@ -23371,7 +23609,7 @@
               </a:rPr>
               <a:t>11268</a:t>
             </a:r>
-            <a:endParaRPr sz="1800" b="0" i="0" u="none" strike="noStrike" cap="none">
+            <a:endParaRPr sz="1800" b="0" i="0" u="none" strike="noStrike" cap="none" dirty="0">
               <a:solidFill>
                 <a:schemeClr val="dk1"/>
               </a:solidFill>
@@ -23426,7 +23664,7 @@
               <a:buNone/>
             </a:pPr>
             <a:r>
-              <a:rPr lang="en-US" sz="1800" b="1" i="0" u="none" strike="noStrike" cap="none">
+              <a:rPr lang="en-US" sz="1800" b="1" i="0" u="none" strike="noStrike" cap="none" dirty="0">
                 <a:solidFill>
                   <a:schemeClr val="dk1"/>
                 </a:solidFill>
@@ -23437,7 +23675,7 @@
               </a:rPr>
               <a:t>18591</a:t>
             </a:r>
-            <a:endParaRPr sz="1800" b="0" i="0" u="none" strike="noStrike" cap="none">
+            <a:endParaRPr sz="1800" b="0" i="0" u="none" strike="noStrike" cap="none" dirty="0">
               <a:solidFill>
                 <a:schemeClr val="dk1"/>
               </a:solidFill>
@@ -23492,7 +23730,7 @@
               <a:buNone/>
             </a:pPr>
             <a:r>
-              <a:rPr lang="en-US" sz="1800" b="1" i="0" u="none" strike="noStrike" cap="none">
+              <a:rPr lang="en-US" sz="1800" b="1" i="0" u="none" strike="noStrike" cap="none" dirty="0">
                 <a:solidFill>
                   <a:schemeClr val="dk1"/>
                 </a:solidFill>
@@ -23506,7 +23744,7 @@
               </a:rPr>
               <a:t>39395</a:t>
             </a:r>
-            <a:endParaRPr sz="1800" b="0" i="0" u="none" strike="noStrike" cap="none">
+            <a:endParaRPr sz="1800" b="0" i="0" u="none" strike="noStrike" cap="none" dirty="0">
               <a:solidFill>
                 <a:schemeClr val="dk1"/>
               </a:solidFill>
@@ -23630,7 +23868,7 @@
               <a:buNone/>
             </a:pPr>
             <a:r>
-              <a:rPr lang="en-US" sz="1800" b="1" i="0" u="none" strike="noStrike" cap="none">
+              <a:rPr lang="en-US" sz="1800" b="1" i="0" u="none" strike="noStrike" cap="none" dirty="0">
                 <a:solidFill>
                   <a:schemeClr val="dk1"/>
                 </a:solidFill>
@@ -23641,7 +23879,7 @@
               </a:rPr>
               <a:t>5857</a:t>
             </a:r>
-            <a:endParaRPr sz="1800" b="0" i="0" u="none" strike="noStrike" cap="none">
+            <a:endParaRPr sz="1800" b="0" i="0" u="none" strike="noStrike" cap="none" dirty="0">
               <a:solidFill>
                 <a:schemeClr val="dk1"/>
               </a:solidFill>
@@ -23793,10 +24031,10 @@
               <a:buNone/>
             </a:pPr>
             <a:r>
-              <a:rPr lang="en-US"/>
+              <a:rPr lang="en-US" dirty="0"/>
               <a:t>Further Exploration</a:t>
             </a:r>
-            <a:endParaRPr/>
+            <a:endParaRPr dirty="0"/>
           </a:p>
         </p:txBody>
       </p:sp>
@@ -23846,10 +24084,10 @@
               <a:buChar char="•"/>
             </a:pPr>
             <a:r>
-              <a:rPr lang="en-US"/>
+              <a:rPr lang="en-US" dirty="0"/>
               <a:t>Include these metrics in tables:</a:t>
             </a:r>
-            <a:endParaRPr/>
+            <a:endParaRPr dirty="0"/>
           </a:p>
           <a:p>
             <a:pPr marL="457200" lvl="0" indent="-342900" algn="l" rtl="0">
@@ -23869,31 +24107,31 @@
               <a:buChar char="•"/>
             </a:pPr>
             <a:r>
-              <a:rPr lang="en-US"/>
+              <a:rPr lang="en-US" dirty="0"/>
               <a:t>% of total reads mapping to non-human</a:t>
             </a:r>
             <a:br>
-              <a:rPr lang="en-US"/>
+              <a:rPr lang="en-US" dirty="0"/>
             </a:br>
             <a:r>
-              <a:rPr lang="en-US"/>
+              <a:rPr lang="en-US" dirty="0"/>
               <a:t>% of total reads not mapped</a:t>
             </a:r>
             <a:br>
-              <a:rPr lang="en-US"/>
+              <a:rPr lang="en-US" dirty="0"/>
             </a:br>
             <a:r>
-              <a:rPr lang="en-US"/>
+              <a:rPr lang="en-US" dirty="0"/>
               <a:t>% of original on-target reads mapped to non-human</a:t>
             </a:r>
             <a:br>
-              <a:rPr lang="en-US"/>
+              <a:rPr lang="en-US" dirty="0"/>
             </a:br>
             <a:r>
-              <a:rPr lang="en-US"/>
+              <a:rPr lang="en-US" dirty="0"/>
               <a:t>% of original off-target reads mapped to non-human</a:t>
             </a:r>
-            <a:endParaRPr/>
+            <a:endParaRPr dirty="0"/>
           </a:p>
           <a:p>
             <a:pPr marL="457200" lvl="0" indent="-342900" algn="l" rtl="0">
@@ -23913,20 +24151,20 @@
               <a:buChar char="•"/>
             </a:pPr>
             <a:r>
-              <a:rPr lang="en-US"/>
+              <a:rPr lang="en-US" dirty="0"/>
               <a:t>Define a non-human reads filter:</a:t>
             </a:r>
             <a:br>
-              <a:rPr lang="en-US"/>
+              <a:rPr lang="en-US" dirty="0"/>
             </a:br>
             <a:r>
-              <a:rPr lang="en-US"/>
+              <a:rPr lang="en-US" dirty="0"/>
               <a:t>Goal: To flag all variants that came from non-human DNA</a:t>
             </a:r>
             <a:br>
-              <a:rPr lang="en-US"/>
+              <a:rPr lang="en-US" dirty="0"/>
             </a:br>
-            <a:endParaRPr/>
+            <a:endParaRPr dirty="0"/>
           </a:p>
           <a:p>
             <a:pPr marL="457200" lvl="0" indent="-342900" algn="l" rtl="0">
@@ -23946,10 +24184,10 @@
               <a:buChar char="•"/>
             </a:pPr>
             <a:r>
-              <a:rPr lang="en-US"/>
+              <a:rPr lang="en-US" dirty="0"/>
               <a:t>Requirements:</a:t>
             </a:r>
-            <a:endParaRPr/>
+            <a:endParaRPr dirty="0"/>
           </a:p>
           <a:p>
             <a:pPr marL="914400" lvl="1" indent="-342900" algn="l" rtl="0">
@@ -23966,10 +24204,10 @@
               <a:buChar char="•"/>
             </a:pPr>
             <a:r>
-              <a:rPr lang="en-US"/>
+              <a:rPr lang="en-US" dirty="0"/>
               <a:t>1. Computationally feasible. Should not significantly increase current BIP run time.</a:t>
             </a:r>
-            <a:endParaRPr/>
+            <a:endParaRPr dirty="0"/>
           </a:p>
           <a:p>
             <a:pPr marL="914400" lvl="1" indent="-342900" algn="l" rtl="0">
@@ -23986,10 +24224,10 @@
               <a:buChar char="•"/>
             </a:pPr>
             <a:r>
-              <a:rPr lang="en-US"/>
+              <a:rPr lang="en-US" dirty="0"/>
               <a:t>2. At least from some products, can’t replace the existing reference with a new reference (but this is possible for future reference.)</a:t>
             </a:r>
-            <a:endParaRPr/>
+            <a:endParaRPr dirty="0"/>
           </a:p>
           <a:p>
             <a:pPr marL="457200" lvl="0" indent="-228600" algn="l" rtl="0">
@@ -24008,7 +24246,7 @@
               <a:buSzPct val="69498"/>
               <a:buNone/>
             </a:pPr>
-            <a:endParaRPr/>
+            <a:endParaRPr dirty="0"/>
           </a:p>
         </p:txBody>
       </p:sp>
@@ -24016,7 +24254,13 @@
         <p:nvGraphicFramePr>
           <p:cNvPr id="163" name="Google Shape;163;p24"/>
           <p:cNvGraphicFramePr/>
-          <p:nvPr/>
+          <p:nvPr>
+            <p:extLst>
+              <p:ext uri="{D42A27DB-BD31-4B8C-83A1-F6EECF244321}">
+                <p14:modId xmlns:p14="http://schemas.microsoft.com/office/powerpoint/2010/main" val="2327451884"/>
+              </p:ext>
+            </p:extLst>
+          </p:nvPr>
         </p:nvGraphicFramePr>
         <p:xfrm>
           <a:off x="78348" y="5839665"/>
@@ -24118,16 +24362,109 @@
                         <a:buNone/>
                       </a:pPr>
                       <a:r>
-                        <a:rPr lang="en-US" sz="1400" b="1" u="none" strike="noStrike" cap="none"/>
+                        <a:rPr lang="en-US" sz="1400" b="1" u="none" strike="noStrike" cap="none" dirty="0">
+                          <a:latin typeface="Calibri" panose="020F0502020204030204" pitchFamily="34" charset="0"/>
+                          <a:cs typeface="Calibri" panose="020F0502020204030204" pitchFamily="34" charset="0"/>
+                        </a:rPr>
                         <a:t>index</a:t>
                       </a:r>
-                      <a:endParaRPr sz="1400" b="1" i="0" u="none" strike="noStrike" cap="none">
+                      <a:endParaRPr sz="1400" b="1" i="0" u="none" strike="noStrike" cap="none" dirty="0">
                         <a:solidFill>
                           <a:srgbClr val="000000"/>
                         </a:solidFill>
-                        <a:latin typeface="Calibri"/>
+                        <a:latin typeface="Calibri" panose="020F0502020204030204" pitchFamily="34" charset="0"/>
                         <a:ea typeface="Calibri"/>
-                        <a:cs typeface="Calibri"/>
+                        <a:cs typeface="Calibri" panose="020F0502020204030204" pitchFamily="34" charset="0"/>
+                        <a:sym typeface="Calibri"/>
+                      </a:endParaRPr>
+                    </a:p>
+                  </a:txBody>
+                  <a:tcPr marL="6600" marR="6600" marT="6600" marB="0" anchor="b"/>
+                </a:tc>
+                <a:tc>
+                  <a:txBody>
+                    <a:bodyPr/>
+                    <a:lstStyle/>
+                    <a:p>
+                      <a:pPr marL="0" marR="0" lvl="0" indent="0" algn="ctr" rtl="0">
+                        <a:lnSpc>
+                          <a:spcPct val="100000"/>
+                        </a:lnSpc>
+                        <a:spcBef>
+                          <a:spcPts val="0"/>
+                        </a:spcBef>
+                        <a:spcAft>
+                          <a:spcPts val="0"/>
+                        </a:spcAft>
+                        <a:buClr>
+                          <a:srgbClr val="000000"/>
+                        </a:buClr>
+                        <a:buSzPts val="1200"/>
+                        <a:buFont typeface="Arial"/>
+                        <a:buNone/>
+                      </a:pPr>
+                      <a:r>
+                        <a:rPr lang="en-US" sz="1200" b="1" u="none" strike="noStrike" cap="none" dirty="0">
+                          <a:solidFill>
+                            <a:schemeClr val="lt1"/>
+                          </a:solidFill>
+                          <a:latin typeface="Calibri" panose="020F0502020204030204" pitchFamily="34" charset="0"/>
+                          <a:cs typeface="Calibri" panose="020F0502020204030204" pitchFamily="34" charset="0"/>
+                        </a:rPr>
+                        <a:t>A0261917PRE-05</a:t>
+                      </a:r>
+                      <a:endParaRPr sz="1200" b="1" i="0" u="none" strike="noStrike" cap="none" dirty="0">
+                        <a:solidFill>
+                          <a:schemeClr val="lt1"/>
+                        </a:solidFill>
+                        <a:latin typeface="Calibri" panose="020F0502020204030204" pitchFamily="34" charset="0"/>
+                        <a:ea typeface="Calibri"/>
+                        <a:cs typeface="Calibri" panose="020F0502020204030204" pitchFamily="34" charset="0"/>
+                        <a:sym typeface="Calibri"/>
+                      </a:endParaRPr>
+                    </a:p>
+                  </a:txBody>
+                  <a:tcPr marL="6600" marR="6600" marT="6600" marB="0" anchor="b"/>
+                </a:tc>
+                <a:tc>
+                  <a:txBody>
+                    <a:bodyPr/>
+                    <a:lstStyle/>
+                    <a:p>
+                      <a:pPr marL="0" marR="0" lvl="0" indent="0" algn="ctr" rtl="0">
+                        <a:lnSpc>
+                          <a:spcPct val="100000"/>
+                        </a:lnSpc>
+                        <a:spcBef>
+                          <a:spcPts val="0"/>
+                        </a:spcBef>
+                        <a:spcAft>
+                          <a:spcPts val="0"/>
+                        </a:spcAft>
+                        <a:buClr>
+                          <a:srgbClr val="000000"/>
+                        </a:buClr>
+                        <a:buSzPts val="1200"/>
+                        <a:buFont typeface="Arial"/>
+                        <a:buNone/>
+                      </a:pPr>
+                      <a:r>
+                        <a:rPr lang="en-US" sz="1200" b="1" u="none" strike="noStrike" cap="none" dirty="0">
+                          <a:solidFill>
+                            <a:schemeClr val="lt1"/>
+                          </a:solidFill>
+                          <a:latin typeface="Calibri" panose="020F0502020204030204" pitchFamily="34" charset="0"/>
+                          <a:cs typeface="Calibri" panose="020F0502020204030204" pitchFamily="34" charset="0"/>
+                        </a:rPr>
+                        <a:t>A0261917HP4-05</a:t>
+                      </a:r>
+                      <a:endParaRPr sz="1200" b="1" i="0" u="none" strike="noStrike" cap="none" dirty="0">
+                        <a:solidFill>
+                          <a:schemeClr val="lt1"/>
+                        </a:solidFill>
+                        <a:latin typeface="Calibri" panose="020F0502020204030204" pitchFamily="34" charset="0"/>
+                        <a:ea typeface="Calibri"/>
+                        <a:cs typeface="Calibri" panose="020F0502020204030204" pitchFamily="34" charset="0"/>
                         <a:sym typeface="Calibri"/>
                       </a:endParaRPr>
                     </a:p>
@@ -24161,16 +24498,18 @@
                           <a:solidFill>
                             <a:schemeClr val="lt1"/>
                           </a:solidFill>
+                          <a:latin typeface="Calibri" panose="020F0502020204030204" pitchFamily="34" charset="0"/>
+                          <a:cs typeface="Calibri" panose="020F0502020204030204" pitchFamily="34" charset="0"/>
                         </a:rPr>
-                        <a:t>A0261917PRE-05</a:t>
+                        <a:t>DL19032527</a:t>
                       </a:r>
                       <a:endParaRPr sz="1200" b="1" i="0" u="none" strike="noStrike" cap="none">
                         <a:solidFill>
                           <a:schemeClr val="lt1"/>
                         </a:solidFill>
-                        <a:latin typeface="Calibri"/>
+                        <a:latin typeface="Calibri" panose="020F0502020204030204" pitchFamily="34" charset="0"/>
                         <a:ea typeface="Calibri"/>
-                        <a:cs typeface="Calibri"/>
+                        <a:cs typeface="Calibri" panose="020F0502020204030204" pitchFamily="34" charset="0"/>
                         <a:sym typeface="Calibri"/>
                       </a:endParaRPr>
                     </a:p>
@@ -24204,16 +24543,18 @@
                           <a:solidFill>
                             <a:schemeClr val="lt1"/>
                           </a:solidFill>
+                          <a:latin typeface="Calibri" panose="020F0502020204030204" pitchFamily="34" charset="0"/>
+                          <a:cs typeface="Calibri" panose="020F0502020204030204" pitchFamily="34" charset="0"/>
                         </a:rPr>
-                        <a:t>A0261917HP4-05</a:t>
+                        <a:t>A0260122S1</a:t>
                       </a:r>
                       <a:endParaRPr sz="1200" b="1" i="0" u="none" strike="noStrike" cap="none">
                         <a:solidFill>
                           <a:schemeClr val="lt1"/>
                         </a:solidFill>
-                        <a:latin typeface="Calibri"/>
+                        <a:latin typeface="Calibri" panose="020F0502020204030204" pitchFamily="34" charset="0"/>
                         <a:ea typeface="Calibri"/>
-                        <a:cs typeface="Calibri"/>
+                        <a:cs typeface="Calibri" panose="020F0502020204030204" pitchFamily="34" charset="0"/>
                         <a:sym typeface="Calibri"/>
                       </a:endParaRPr>
                     </a:p>
@@ -24247,16 +24588,18 @@
                           <a:solidFill>
                             <a:schemeClr val="lt1"/>
                           </a:solidFill>
+                          <a:latin typeface="Calibri" panose="020F0502020204030204" pitchFamily="34" charset="0"/>
+                          <a:cs typeface="Calibri" panose="020F0502020204030204" pitchFamily="34" charset="0"/>
                         </a:rPr>
-                        <a:t>DL19032527</a:t>
+                        <a:t>A017381551</a:t>
                       </a:r>
                       <a:endParaRPr sz="1200" b="1" i="0" u="none" strike="noStrike" cap="none">
                         <a:solidFill>
                           <a:schemeClr val="lt1"/>
                         </a:solidFill>
-                        <a:latin typeface="Calibri"/>
+                        <a:latin typeface="Calibri" panose="020F0502020204030204" pitchFamily="34" charset="0"/>
                         <a:ea typeface="Calibri"/>
-                        <a:cs typeface="Calibri"/>
+                        <a:cs typeface="Calibri" panose="020F0502020204030204" pitchFamily="34" charset="0"/>
                         <a:sym typeface="Calibri"/>
                       </a:endParaRPr>
                     </a:p>
@@ -24290,16 +24633,18 @@
                           <a:solidFill>
                             <a:schemeClr val="lt1"/>
                           </a:solidFill>
+                          <a:latin typeface="Calibri" panose="020F0502020204030204" pitchFamily="34" charset="0"/>
+                          <a:cs typeface="Calibri" panose="020F0502020204030204" pitchFamily="34" charset="0"/>
                         </a:rPr>
-                        <a:t>A0260122S1</a:t>
+                        <a:t>DL19032524</a:t>
                       </a:r>
                       <a:endParaRPr sz="1200" b="1" i="0" u="none" strike="noStrike" cap="none">
                         <a:solidFill>
                           <a:schemeClr val="lt1"/>
                         </a:solidFill>
-                        <a:latin typeface="Calibri"/>
+                        <a:latin typeface="Calibri" panose="020F0502020204030204" pitchFamily="34" charset="0"/>
                         <a:ea typeface="Calibri"/>
-                        <a:cs typeface="Calibri"/>
+                        <a:cs typeface="Calibri" panose="020F0502020204030204" pitchFamily="34" charset="0"/>
                         <a:sym typeface="Calibri"/>
                       </a:endParaRPr>
                     </a:p>
@@ -24333,16 +24678,18 @@
                           <a:solidFill>
                             <a:schemeClr val="lt1"/>
                           </a:solidFill>
+                          <a:latin typeface="Calibri" panose="020F0502020204030204" pitchFamily="34" charset="0"/>
+                          <a:cs typeface="Calibri" panose="020F0502020204030204" pitchFamily="34" charset="0"/>
                         </a:rPr>
-                        <a:t>A017381551</a:t>
+                        <a:t>A0186048MMC-02</a:t>
                       </a:r>
                       <a:endParaRPr sz="1200" b="1" i="0" u="none" strike="noStrike" cap="none">
                         <a:solidFill>
                           <a:schemeClr val="lt1"/>
                         </a:solidFill>
-                        <a:latin typeface="Calibri"/>
+                        <a:latin typeface="Calibri" panose="020F0502020204030204" pitchFamily="34" charset="0"/>
                         <a:ea typeface="Calibri"/>
-                        <a:cs typeface="Calibri"/>
+                        <a:cs typeface="Calibri" panose="020F0502020204030204" pitchFamily="34" charset="0"/>
                         <a:sym typeface="Calibri"/>
                       </a:endParaRPr>
                     </a:p>
@@ -24376,92 +24723,8 @@
                           <a:solidFill>
                             <a:schemeClr val="lt1"/>
                           </a:solidFill>
-                        </a:rPr>
-                        <a:t>DL19032524</a:t>
-                      </a:r>
-                      <a:endParaRPr sz="1200" b="1" i="0" u="none" strike="noStrike" cap="none">
-                        <a:solidFill>
-                          <a:schemeClr val="lt1"/>
-                        </a:solidFill>
-                        <a:latin typeface="Calibri"/>
-                        <a:ea typeface="Calibri"/>
-                        <a:cs typeface="Calibri"/>
-                        <a:sym typeface="Calibri"/>
-                      </a:endParaRPr>
-                    </a:p>
-                  </a:txBody>
-                  <a:tcPr marL="6600" marR="6600" marT="6600" marB="0" anchor="b"/>
-                </a:tc>
-                <a:tc>
-                  <a:txBody>
-                    <a:bodyPr/>
-                    <a:lstStyle/>
-                    <a:p>
-                      <a:pPr marL="0" marR="0" lvl="0" indent="0" algn="ctr" rtl="0">
-                        <a:lnSpc>
-                          <a:spcPct val="100000"/>
-                        </a:lnSpc>
-                        <a:spcBef>
-                          <a:spcPts val="0"/>
-                        </a:spcBef>
-                        <a:spcAft>
-                          <a:spcPts val="0"/>
-                        </a:spcAft>
-                        <a:buClr>
-                          <a:srgbClr val="000000"/>
-                        </a:buClr>
-                        <a:buSzPts val="1200"/>
-                        <a:buFont typeface="Arial"/>
-                        <a:buNone/>
-                      </a:pPr>
-                      <a:r>
-                        <a:rPr lang="en-US" sz="1200" b="1" u="none" strike="noStrike" cap="none">
-                          <a:solidFill>
-                            <a:schemeClr val="lt1"/>
-                          </a:solidFill>
-                        </a:rPr>
-                        <a:t>A0186048MMC-02</a:t>
-                      </a:r>
-                      <a:endParaRPr sz="1200" b="1" i="0" u="none" strike="noStrike" cap="none">
-                        <a:solidFill>
-                          <a:schemeClr val="lt1"/>
-                        </a:solidFill>
-                        <a:latin typeface="Calibri"/>
-                        <a:ea typeface="Calibri"/>
-                        <a:cs typeface="Calibri"/>
-                        <a:sym typeface="Calibri"/>
-                      </a:endParaRPr>
-                    </a:p>
-                  </a:txBody>
-                  <a:tcPr marL="6600" marR="6600" marT="6600" marB="0" anchor="b"/>
-                </a:tc>
-                <a:tc>
-                  <a:txBody>
-                    <a:bodyPr/>
-                    <a:lstStyle/>
-                    <a:p>
-                      <a:pPr marL="0" marR="0" lvl="0" indent="0" algn="ctr" rtl="0">
-                        <a:lnSpc>
-                          <a:spcPct val="100000"/>
-                        </a:lnSpc>
-                        <a:spcBef>
-                          <a:spcPts val="0"/>
-                        </a:spcBef>
-                        <a:spcAft>
-                          <a:spcPts val="0"/>
-                        </a:spcAft>
-                        <a:buClr>
-                          <a:srgbClr val="000000"/>
-                        </a:buClr>
-                        <a:buSzPts val="1200"/>
-                        <a:buFont typeface="Arial"/>
-                        <a:buNone/>
-                      </a:pPr>
-                      <a:r>
-                        <a:rPr lang="en-US" sz="1200" b="1" u="none" strike="noStrike" cap="none">
-                          <a:solidFill>
-                            <a:schemeClr val="lt1"/>
-                          </a:solidFill>
+                          <a:latin typeface="Calibri" panose="020F0502020204030204" pitchFamily="34" charset="0"/>
+                          <a:cs typeface="Calibri" panose="020F0502020204030204" pitchFamily="34" charset="0"/>
                         </a:rPr>
                         <a:t>A017381552</a:t>
                       </a:r>
@@ -24469,9 +24732,9 @@
                         <a:solidFill>
                           <a:schemeClr val="lt1"/>
                         </a:solidFill>
-                        <a:latin typeface="Calibri"/>
+                        <a:latin typeface="Calibri" panose="020F0502020204030204" pitchFamily="34" charset="0"/>
                         <a:ea typeface="Calibri"/>
-                        <a:cs typeface="Calibri"/>
+                        <a:cs typeface="Calibri" panose="020F0502020204030204" pitchFamily="34" charset="0"/>
                         <a:sym typeface="Calibri"/>
                       </a:endParaRPr>
                     </a:p>
@@ -24512,14 +24775,17 @@
                           <a:solidFill>
                             <a:srgbClr val="000000"/>
                           </a:solidFill>
-                          <a:latin typeface="Calibri"/>
+                          <a:latin typeface="Calibri" panose="020F0502020204030204" pitchFamily="34" charset="0"/>
                           <a:ea typeface="Calibri"/>
-                          <a:cs typeface="Calibri"/>
+                          <a:cs typeface="Calibri" panose="020F0502020204030204" pitchFamily="34" charset="0"/>
                           <a:sym typeface="Calibri"/>
                         </a:rPr>
                         <a:t># of reads</a:t>
                       </a:r>
-                      <a:endParaRPr sz="1400" u="none" strike="noStrike" cap="none"/>
+                      <a:endParaRPr sz="1400" u="none" strike="noStrike" cap="none">
+                        <a:latin typeface="Calibri" panose="020F0502020204030204" pitchFamily="34" charset="0"/>
+                        <a:cs typeface="Calibri" panose="020F0502020204030204" pitchFamily="34" charset="0"/>
+                      </a:endParaRPr>
                     </a:p>
                   </a:txBody>
                   <a:tcPr marL="6600" marR="6600" marT="6600" marB="0" anchor="b"/>
@@ -24547,16 +24813,19 @@
                         <a:buNone/>
                       </a:pPr>
                       <a:r>
-                        <a:rPr lang="en-US" sz="1800" b="1" u="none" strike="noStrike" cap="none"/>
+                        <a:rPr lang="en-US" sz="1800" b="1" u="none" strike="noStrike" cap="none" dirty="0">
+                          <a:latin typeface="Calibri" panose="020F0502020204030204" pitchFamily="34" charset="0"/>
+                          <a:cs typeface="Calibri" panose="020F0502020204030204" pitchFamily="34" charset="0"/>
+                        </a:rPr>
                         <a:t>369</a:t>
                       </a:r>
-                      <a:endParaRPr sz="1800" b="1" i="0" u="none" strike="noStrike" cap="none">
+                      <a:endParaRPr sz="1800" b="1" i="0" u="none" strike="noStrike" cap="none" dirty="0">
                         <a:solidFill>
                           <a:srgbClr val="000000"/>
                         </a:solidFill>
-                        <a:latin typeface="Calibri"/>
+                        <a:latin typeface="Calibri" panose="020F0502020204030204" pitchFamily="34" charset="0"/>
                         <a:ea typeface="Calibri"/>
-                        <a:cs typeface="Calibri"/>
+                        <a:cs typeface="Calibri" panose="020F0502020204030204" pitchFamily="34" charset="0"/>
                         <a:sym typeface="Calibri"/>
                       </a:endParaRPr>
                     </a:p>
@@ -24586,16 +24855,19 @@
                         <a:buNone/>
                       </a:pPr>
                       <a:r>
-                        <a:rPr lang="en-US" sz="1800" b="1" u="none" strike="noStrike" cap="none"/>
+                        <a:rPr lang="en-US" sz="1800" b="1" u="none" strike="noStrike" cap="none" dirty="0">
+                          <a:latin typeface="Calibri" panose="020F0502020204030204" pitchFamily="34" charset="0"/>
+                          <a:cs typeface="Calibri" panose="020F0502020204030204" pitchFamily="34" charset="0"/>
+                        </a:rPr>
                         <a:t>417</a:t>
                       </a:r>
-                      <a:endParaRPr sz="1800" b="1" i="0" u="none" strike="noStrike" cap="none">
+                      <a:endParaRPr sz="1800" b="1" i="0" u="none" strike="noStrike" cap="none" dirty="0">
                         <a:solidFill>
                           <a:srgbClr val="000000"/>
                         </a:solidFill>
-                        <a:latin typeface="Calibri"/>
+                        <a:latin typeface="Calibri" panose="020F0502020204030204" pitchFamily="34" charset="0"/>
                         <a:ea typeface="Calibri"/>
-                        <a:cs typeface="Calibri"/>
+                        <a:cs typeface="Calibri" panose="020F0502020204030204" pitchFamily="34" charset="0"/>
                         <a:sym typeface="Calibri"/>
                       </a:endParaRPr>
                     </a:p>
@@ -24625,16 +24897,19 @@
                         <a:buNone/>
                       </a:pPr>
                       <a:r>
-                        <a:rPr lang="en-US" sz="1800" b="1" u="none" strike="noStrike" cap="none"/>
+                        <a:rPr lang="en-US" sz="1800" b="1" u="none" strike="noStrike" cap="none" dirty="0">
+                          <a:latin typeface="Calibri" panose="020F0502020204030204" pitchFamily="34" charset="0"/>
+                          <a:cs typeface="Calibri" panose="020F0502020204030204" pitchFamily="34" charset="0"/>
+                        </a:rPr>
                         <a:t>11268</a:t>
                       </a:r>
-                      <a:endParaRPr sz="1800" b="1" i="0" u="none" strike="noStrike" cap="none">
+                      <a:endParaRPr sz="1800" b="1" i="0" u="none" strike="noStrike" cap="none" dirty="0">
                         <a:solidFill>
                           <a:srgbClr val="000000"/>
                         </a:solidFill>
-                        <a:latin typeface="Calibri"/>
+                        <a:latin typeface="Calibri" panose="020F0502020204030204" pitchFamily="34" charset="0"/>
                         <a:ea typeface="Calibri"/>
-                        <a:cs typeface="Calibri"/>
+                        <a:cs typeface="Calibri" panose="020F0502020204030204" pitchFamily="34" charset="0"/>
                         <a:sym typeface="Calibri"/>
                       </a:endParaRPr>
                     </a:p>
@@ -24664,16 +24939,19 @@
                         <a:buNone/>
                       </a:pPr>
                       <a:r>
-                        <a:rPr lang="en-US" sz="1800" b="1" u="none" strike="noStrike" cap="none"/>
+                        <a:rPr lang="en-US" sz="1800" b="1" u="none" strike="noStrike" cap="none" dirty="0">
+                          <a:latin typeface="Calibri" panose="020F0502020204030204" pitchFamily="34" charset="0"/>
+                          <a:cs typeface="Calibri" panose="020F0502020204030204" pitchFamily="34" charset="0"/>
+                        </a:rPr>
                         <a:t>18591</a:t>
                       </a:r>
-                      <a:endParaRPr sz="1800" b="1" i="0" u="none" strike="noStrike" cap="none">
+                      <a:endParaRPr sz="1800" b="1" i="0" u="none" strike="noStrike" cap="none" dirty="0">
                         <a:solidFill>
                           <a:srgbClr val="000000"/>
                         </a:solidFill>
-                        <a:latin typeface="Calibri"/>
+                        <a:latin typeface="Calibri" panose="020F0502020204030204" pitchFamily="34" charset="0"/>
                         <a:ea typeface="Calibri"/>
-                        <a:cs typeface="Calibri"/>
+                        <a:cs typeface="Calibri" panose="020F0502020204030204" pitchFamily="34" charset="0"/>
                         <a:sym typeface="Calibri"/>
                       </a:endParaRPr>
                     </a:p>
@@ -24703,23 +24981,25 @@
                         <a:buNone/>
                       </a:pPr>
                       <a:r>
-                        <a:rPr lang="en-US" sz="1800" b="1" u="none" strike="noStrike" cap="none">
+                        <a:rPr lang="en-US" sz="1800" b="1" u="none" strike="noStrike" cap="none" dirty="0">
                           <a:highlight>
                             <a:srgbClr val="FFFF00"/>
                           </a:highlight>
+                          <a:latin typeface="Calibri" panose="020F0502020204030204" pitchFamily="34" charset="0"/>
+                          <a:cs typeface="Calibri" panose="020F0502020204030204" pitchFamily="34" charset="0"/>
                         </a:rPr>
                         <a:t>39395</a:t>
                       </a:r>
-                      <a:endParaRPr sz="1800" b="1" i="0" u="none" strike="noStrike" cap="none">
+                      <a:endParaRPr sz="1800" b="1" i="0" u="none" strike="noStrike" cap="none" dirty="0">
                         <a:solidFill>
                           <a:srgbClr val="000000"/>
                         </a:solidFill>
                         <a:highlight>
                           <a:srgbClr val="FFFF00"/>
                         </a:highlight>
-                        <a:latin typeface="Calibri"/>
+                        <a:latin typeface="Calibri" panose="020F0502020204030204" pitchFamily="34" charset="0"/>
                         <a:ea typeface="Calibri"/>
-                        <a:cs typeface="Calibri"/>
+                        <a:cs typeface="Calibri" panose="020F0502020204030204" pitchFamily="34" charset="0"/>
                         <a:sym typeface="Calibri"/>
                       </a:endParaRPr>
                     </a:p>
@@ -24749,23 +25029,25 @@
                         <a:buNone/>
                       </a:pPr>
                       <a:r>
-                        <a:rPr lang="en-US" sz="1800" b="1" u="none" strike="noStrike" cap="none">
+                        <a:rPr lang="en-US" sz="1800" b="1" u="none" strike="noStrike" cap="none" dirty="0">
                           <a:highlight>
                             <a:srgbClr val="FFFF00"/>
                           </a:highlight>
+                          <a:latin typeface="Calibri" panose="020F0502020204030204" pitchFamily="34" charset="0"/>
+                          <a:cs typeface="Calibri" panose="020F0502020204030204" pitchFamily="34" charset="0"/>
                         </a:rPr>
                         <a:t>78208</a:t>
                       </a:r>
-                      <a:endParaRPr sz="1800" b="1" i="0" u="none" strike="noStrike" cap="none">
+                      <a:endParaRPr sz="1800" b="1" i="0" u="none" strike="noStrike" cap="none" dirty="0">
                         <a:solidFill>
                           <a:srgbClr val="000000"/>
                         </a:solidFill>
                         <a:highlight>
                           <a:srgbClr val="FFFF00"/>
                         </a:highlight>
-                        <a:latin typeface="Calibri"/>
+                        <a:latin typeface="Calibri" panose="020F0502020204030204" pitchFamily="34" charset="0"/>
                         <a:ea typeface="Calibri"/>
-                        <a:cs typeface="Calibri"/>
+                        <a:cs typeface="Calibri" panose="020F0502020204030204" pitchFamily="34" charset="0"/>
                         <a:sym typeface="Calibri"/>
                       </a:endParaRPr>
                     </a:p>
@@ -24795,16 +25077,19 @@
                         <a:buNone/>
                       </a:pPr>
                       <a:r>
-                        <a:rPr lang="en-US" sz="1800" b="1" u="none" strike="noStrike" cap="none"/>
+                        <a:rPr lang="en-US" sz="1800" b="1" u="none" strike="noStrike" cap="none" dirty="0">
+                          <a:latin typeface="Calibri" panose="020F0502020204030204" pitchFamily="34" charset="0"/>
+                          <a:cs typeface="Calibri" panose="020F0502020204030204" pitchFamily="34" charset="0"/>
+                        </a:rPr>
                         <a:t>5857</a:t>
                       </a:r>
-                      <a:endParaRPr sz="1800" b="1" i="0" u="none" strike="noStrike" cap="none">
+                      <a:endParaRPr sz="1800" b="1" i="0" u="none" strike="noStrike" cap="none" dirty="0">
                         <a:solidFill>
                           <a:srgbClr val="000000"/>
                         </a:solidFill>
-                        <a:latin typeface="Calibri"/>
+                        <a:latin typeface="Calibri" panose="020F0502020204030204" pitchFamily="34" charset="0"/>
                         <a:ea typeface="Calibri"/>
-                        <a:cs typeface="Calibri"/>
+                        <a:cs typeface="Calibri" panose="020F0502020204030204" pitchFamily="34" charset="0"/>
                         <a:sym typeface="Calibri"/>
                       </a:endParaRPr>
                     </a:p>
@@ -24834,23 +25119,25 @@
                         <a:buNone/>
                       </a:pPr>
                       <a:r>
-                        <a:rPr lang="en-US" sz="1800" b="1" u="none" strike="noStrike" cap="none">
+                        <a:rPr lang="en-US" sz="1800" b="1" u="none" strike="noStrike" cap="none" dirty="0">
                           <a:highlight>
                             <a:srgbClr val="FFFF00"/>
                           </a:highlight>
+                          <a:latin typeface="Calibri" panose="020F0502020204030204" pitchFamily="34" charset="0"/>
+                          <a:cs typeface="Calibri" panose="020F0502020204030204" pitchFamily="34" charset="0"/>
                         </a:rPr>
                         <a:t>58147</a:t>
                       </a:r>
-                      <a:endParaRPr sz="1800" b="1" i="0" u="none" strike="noStrike" cap="none">
+                      <a:endParaRPr sz="1800" b="1" i="0" u="none" strike="noStrike" cap="none" dirty="0">
                         <a:solidFill>
                           <a:srgbClr val="000000"/>
                         </a:solidFill>
                         <a:highlight>
                           <a:srgbClr val="FFFF00"/>
                         </a:highlight>
-                        <a:latin typeface="Calibri"/>
+                        <a:latin typeface="Calibri" panose="020F0502020204030204" pitchFamily="34" charset="0"/>
                         <a:ea typeface="Calibri"/>
-                        <a:cs typeface="Calibri"/>
+                        <a:cs typeface="Calibri" panose="020F0502020204030204" pitchFamily="34" charset="0"/>
                         <a:sym typeface="Calibri"/>
                       </a:endParaRPr>
                     </a:p>
@@ -24927,10 +25214,10 @@
               <a:buNone/>
             </a:pPr>
             <a:r>
-              <a:rPr lang="en-US"/>
+              <a:rPr lang="en-US" dirty="0"/>
               <a:t>Majority mapped reads (MAPQ=60) overlap with target regions</a:t>
             </a:r>
-            <a:endParaRPr/>
+            <a:endParaRPr dirty="0"/>
           </a:p>
         </p:txBody>
       </p:sp>
@@ -24950,7 +25237,7 @@
         </p:blipFill>
         <p:spPr>
           <a:xfrm>
-            <a:off x="503963" y="2589525"/>
+            <a:off x="1123287" y="2763697"/>
             <a:ext cx="4238625" cy="3352800"/>
           </a:xfrm>
           <a:prstGeom prst="rect">
@@ -24997,7 +25284,7 @@
               <a:buNone/>
             </a:pPr>
             <a:r>
-              <a:rPr lang="en-US" sz="1800">
+              <a:rPr lang="en-US" sz="1800" dirty="0">
                 <a:solidFill>
                   <a:srgbClr val="FF0000"/>
                 </a:solidFill>
@@ -25008,7 +25295,7 @@
               </a:rPr>
               <a:t>Mapped == MAPQ&gt;=60 </a:t>
             </a:r>
-            <a:endParaRPr sz="1800">
+            <a:endParaRPr sz="1800" dirty="0">
               <a:solidFill>
                 <a:srgbClr val="FF0000"/>
               </a:solidFill>
@@ -25058,7 +25345,7 @@
               <a:buNone/>
             </a:pPr>
             <a:r>
-              <a:rPr lang="en-US" sz="1950">
+              <a:rPr lang="en-US" sz="1950" dirty="0">
                 <a:solidFill>
                   <a:srgbClr val="1D1C1D"/>
                 </a:solidFill>
@@ -25069,7 +25356,7 @@
               <a:t>off/on-target </a:t>
             </a:r>
             <a:r>
-              <a:rPr lang="en-US" sz="1950">
+              <a:rPr lang="en-US" sz="1950" dirty="0">
                 <a:solidFill>
                   <a:schemeClr val="hlink"/>
                 </a:solidFill>
@@ -25083,7 +25370,7 @@
               </a:rPr>
               <a:t>Omni1.0_panel.bed</a:t>
             </a:r>
-            <a:endParaRPr sz="1950">
+            <a:endParaRPr sz="1950" dirty="0">
               <a:solidFill>
                 <a:schemeClr val="hlink"/>
               </a:solidFill>
@@ -25129,7 +25416,7 @@
               <a:buNone/>
             </a:pPr>
             <a:r>
-              <a:rPr lang="en-US" sz="1800">
+              <a:rPr lang="en-US" sz="1800" dirty="0">
                 <a:solidFill>
                   <a:srgbClr val="FF0000"/>
                 </a:solidFill>
@@ -25140,7 +25427,7 @@
               </a:rPr>
               <a:t>Mapped == MAPQ&gt;=1 </a:t>
             </a:r>
-            <a:endParaRPr sz="1800">
+            <a:endParaRPr sz="1800" dirty="0">
               <a:solidFill>
                 <a:srgbClr val="FF0000"/>
               </a:solidFill>
@@ -25247,7 +25534,7 @@
               <a:buSzPts val="1800"/>
               <a:buNone/>
             </a:pPr>
-            <a:endParaRPr/>
+            <a:endParaRPr dirty="0"/>
           </a:p>
         </p:txBody>
       </p:sp>
@@ -25294,29 +25581,59 @@
               <a:buNone/>
             </a:pPr>
             <a:r>
-              <a:rPr lang="en-US" sz="1950">
+              <a:rPr lang="en-US" sz="1950" dirty="0">
                 <a:solidFill>
                   <a:srgbClr val="1D1C1D"/>
                 </a:solidFill>
                 <a:highlight>
                   <a:srgbClr val="F8F8F8"/>
                 </a:highlight>
-                <a:latin typeface="Arial"/>
+                <a:latin typeface="+mn-lt"/>
                 <a:ea typeface="Arial"/>
                 <a:cs typeface="Arial"/>
                 <a:sym typeface="Arial"/>
               </a:rPr>
-              <a:t>Reportable region bed file (REPORT= intervals are the ones that are actual reportable for snvs and indels): </a:t>
+              <a:t>Reportable region bed file (REPORT= intervals are the ones that are actual reportable for </a:t>
             </a:r>
             <a:r>
-              <a:rPr lang="en-US" sz="1950" u="sng">
+              <a:rPr lang="en-US" sz="1950" dirty="0" err="1">
+                <a:solidFill>
+                  <a:srgbClr val="1D1C1D"/>
+                </a:solidFill>
+                <a:highlight>
+                  <a:srgbClr val="F8F8F8"/>
+                </a:highlight>
+                <a:latin typeface="+mn-lt"/>
+                <a:ea typeface="Arial"/>
+                <a:cs typeface="Arial"/>
+                <a:sym typeface="Arial"/>
+              </a:rPr>
+              <a:t>snvs</a:t>
+            </a:r>
+            <a:r>
+              <a:rPr lang="en-US" sz="1950" dirty="0">
+                <a:solidFill>
+                  <a:srgbClr val="1D1C1D"/>
+                </a:solidFill>
+                <a:highlight>
+                  <a:srgbClr val="F8F8F8"/>
+                </a:highlight>
+                <a:latin typeface="+mn-lt"/>
+                <a:ea typeface="Arial"/>
+                <a:cs typeface="Arial"/>
+                <a:sym typeface="Arial"/>
+              </a:rPr>
+              <a:t> and indels): </a:t>
+            </a:r>
+            <a:r>
+              <a:rPr lang="en-US" sz="1950" u="sng" dirty="0">
                 <a:solidFill>
                   <a:schemeClr val="hlink"/>
                 </a:solidFill>
                 <a:highlight>
                   <a:srgbClr val="F8F8F8"/>
                 </a:highlight>
-                <a:latin typeface="Arial"/>
+                <a:latin typeface="+mn-lt"/>
                 <a:ea typeface="Arial"/>
                 <a:cs typeface="Arial"/>
                 <a:sym typeface="Arial"/>
@@ -25324,7 +25641,9 @@
               </a:rPr>
               <a:t>https://github.com/guardant/ghpipeline/blob/master/parameter_sets/Omni/v1.0/Omni1.0_annotated_reportable_regions.bed</a:t>
             </a:r>
-            <a:endParaRPr sz="3600"/>
+            <a:endParaRPr sz="3600" dirty="0">
+              <a:latin typeface="+mn-lt"/>
+            </a:endParaRPr>
           </a:p>
           <a:p>
             <a:pPr marL="0" lvl="0" indent="0" algn="l" rtl="0">
@@ -25340,7 +25659,9 @@
               <a:buSzPts val="1800"/>
               <a:buNone/>
             </a:pPr>
-            <a:endParaRPr sz="3600"/>
+            <a:endParaRPr sz="3600" dirty="0">
+              <a:latin typeface="+mn-lt"/>
+            </a:endParaRPr>
           </a:p>
           <a:p>
             <a:pPr marL="0" marR="190500" lvl="0" indent="0" algn="l" rtl="0">
@@ -25361,14 +25682,14 @@
               <a:buNone/>
             </a:pPr>
             <a:r>
-              <a:rPr lang="en-US" sz="1950">
+              <a:rPr lang="en-US" sz="1950" dirty="0">
                 <a:solidFill>
                   <a:srgbClr val="1D1C1D"/>
                 </a:solidFill>
                 <a:highlight>
                   <a:srgbClr val="F8F8F8"/>
                 </a:highlight>
-                <a:latin typeface="Arial"/>
+                <a:latin typeface="+mn-lt"/>
                 <a:ea typeface="Arial"/>
                 <a:cs typeface="Arial"/>
                 <a:sym typeface="Arial"/>
@@ -25376,7 +25697,7 @@
               <a:t>For off/on-target, use this bed file: </a:t>
             </a:r>
             <a:r>
-              <a:rPr lang="en-US" sz="1950">
+              <a:rPr lang="en-US" sz="1950" dirty="0">
                 <a:solidFill>
                   <a:schemeClr val="hlink"/>
                 </a:solidFill>
@@ -25386,7 +25707,7 @@
                 <a:uFill>
                   <a:noFill/>
                 </a:uFill>
-                <a:latin typeface="Arial"/>
+                <a:latin typeface="+mn-lt"/>
                 <a:ea typeface="Arial"/>
                 <a:cs typeface="Arial"/>
                 <a:sym typeface="Arial"/>
@@ -25394,14 +25715,14 @@
               </a:rPr>
               <a:t>https://github.com/guardant/ghpipeline/blob/master/parameter_sets/Omni/v1.0/Omni1.0_panel.bed</a:t>
             </a:r>
-            <a:endParaRPr sz="1950">
+            <a:endParaRPr sz="1950" dirty="0">
               <a:solidFill>
                 <a:schemeClr val="hlink"/>
               </a:solidFill>
               <a:highlight>
                 <a:srgbClr val="F8F8F8"/>
               </a:highlight>
-              <a:latin typeface="Arial"/>
+              <a:latin typeface="+mn-lt"/>
               <a:ea typeface="Arial"/>
               <a:cs typeface="Arial"/>
               <a:sym typeface="Arial"/>
@@ -25421,7 +25742,9 @@
               <a:buSzPts val="1800"/>
               <a:buNone/>
             </a:pPr>
-            <a:endParaRPr sz="3600"/>
+            <a:endParaRPr sz="3600" dirty="0">
+              <a:latin typeface="+mn-lt"/>
+            </a:endParaRPr>
           </a:p>
         </p:txBody>
       </p:sp>
